--- a/git_diagramaticflow2.pptx
+++ b/git_diagramaticflow2.pptx
@@ -5,7 +5,10 @@
     <p:sldMasterId id="2147483648" r:id="rId1"/>
   </p:sldMasterIdLst>
   <p:sldIdLst>
-    <p:sldId id="256" r:id="rId3"/>
+    <p:sldId id="257" r:id="rId3"/>
+    <p:sldId id="258" r:id="rId4"/>
+    <p:sldId id="260" r:id="rId5"/>
+    <p:sldId id="259" r:id="rId6"/>
   </p:sldIdLst>
   <p:sldSz cx="9144000" cy="6858000" type="screen4x3"/>
   <p:notesSz cx="6858000" cy="9144000"/>
@@ -3141,14 +3144,14 @@
       <p:grpSpPr/>
       <p:cxnSp>
         <p:nvCxnSpPr>
-          <p:cNvPr id="10" name="Straight Connector 9"/>
+          <p:cNvPr id="4" name="Straight Connector 3"/>
           <p:cNvCxnSpPr/>
           <p:nvPr/>
         </p:nvCxnSpPr>
         <p:spPr>
           <a:xfrm flipV="1">
-            <a:off x="635" y="3213100"/>
-            <a:ext cx="9036050" cy="1905"/>
+            <a:off x="-13335" y="3429000"/>
+            <a:ext cx="9265920" cy="19050"/>
           </a:xfrm>
           <a:prstGeom prst="line">
             <a:avLst/>
@@ -3171,14 +3174,14 @@
       </p:cxnSp>
       <p:sp>
         <p:nvSpPr>
-          <p:cNvPr id="11" name="Oval 10"/>
+          <p:cNvPr id="5" name="Oval 4"/>
           <p:cNvSpPr/>
           <p:nvPr/>
         </p:nvSpPr>
         <p:spPr>
           <a:xfrm>
-            <a:off x="3862070" y="4015105"/>
-            <a:ext cx="792480" cy="575945"/>
+            <a:off x="4010660" y="621030"/>
+            <a:ext cx="1255395" cy="720090"/>
           </a:xfrm>
           <a:prstGeom prst="ellipse">
             <a:avLst/>
@@ -3206,7 +3209,7 @@
             <a:pPr algn="ctr"/>
             <a:r>
               <a:rPr lang="en-US"/>
-              <a:t>M</a:t>
+              <a:t>Master</a:t>
             </a:r>
             <a:endParaRPr lang="en-US"/>
           </a:p>
@@ -3214,14 +3217,14 @@
       </p:sp>
       <p:sp>
         <p:nvSpPr>
-          <p:cNvPr id="12" name="Oval 11"/>
+          <p:cNvPr id="6" name="Oval 5"/>
           <p:cNvSpPr/>
           <p:nvPr/>
         </p:nvSpPr>
         <p:spPr>
           <a:xfrm>
-            <a:off x="3707765" y="621030"/>
-            <a:ext cx="864235" cy="503555"/>
+            <a:off x="4011295" y="4019550"/>
+            <a:ext cx="1254760" cy="720090"/>
           </a:xfrm>
           <a:prstGeom prst="ellipse">
             <a:avLst/>
@@ -3249,7 +3252,7 @@
             <a:pPr algn="ctr"/>
             <a:r>
               <a:rPr lang="en-US"/>
-              <a:t>M</a:t>
+              <a:t>Master</a:t>
             </a:r>
             <a:endParaRPr lang="en-US"/>
           </a:p>
@@ -3257,14 +3260,14 @@
       </p:sp>
       <p:sp>
         <p:nvSpPr>
-          <p:cNvPr id="15" name="Oval 14"/>
+          <p:cNvPr id="8" name="Oval 7"/>
           <p:cNvSpPr/>
           <p:nvPr/>
         </p:nvSpPr>
         <p:spPr>
           <a:xfrm>
-            <a:off x="3939540" y="5521960"/>
-            <a:ext cx="792480" cy="575945"/>
+            <a:off x="889635" y="5095875"/>
+            <a:ext cx="504190" cy="503555"/>
           </a:xfrm>
           <a:prstGeom prst="ellipse">
             <a:avLst/>
@@ -3292,7 +3295,7 @@
             <a:pPr algn="ctr"/>
             <a:r>
               <a:rPr lang="en-US"/>
-              <a:t>D</a:t>
+              <a:t>F1</a:t>
             </a:r>
             <a:endParaRPr lang="en-US"/>
           </a:p>
@@ -3300,72 +3303,14 @@
       </p:sp>
       <p:sp>
         <p:nvSpPr>
-          <p:cNvPr id="17" name="Text Box 16"/>
-          <p:cNvSpPr txBox="1"/>
-          <p:nvPr/>
-        </p:nvSpPr>
-        <p:spPr>
-          <a:xfrm>
-            <a:off x="3707765" y="3430905"/>
-            <a:ext cx="728980" cy="368300"/>
-          </a:xfrm>
-          <a:prstGeom prst="rect">
-            <a:avLst/>
-          </a:prstGeom>
-          <a:noFill/>
-        </p:spPr>
-        <p:txBody>
-          <a:bodyPr wrap="none" rtlCol="0">
-            <a:spAutoFit/>
-          </a:bodyPr>
-          <a:p>
-            <a:r>
-              <a:rPr lang="en-US"/>
-              <a:t>Local</a:t>
-            </a:r>
-            <a:endParaRPr lang="en-US"/>
-          </a:p>
-        </p:txBody>
-      </p:sp>
-      <p:sp>
-        <p:nvSpPr>
-          <p:cNvPr id="18" name="Text Box 17"/>
-          <p:cNvSpPr txBox="1"/>
-          <p:nvPr/>
-        </p:nvSpPr>
-        <p:spPr>
-          <a:xfrm>
-            <a:off x="3612515" y="128270"/>
-            <a:ext cx="982980" cy="368300"/>
-          </a:xfrm>
-          <a:prstGeom prst="rect">
-            <a:avLst/>
-          </a:prstGeom>
-          <a:noFill/>
-        </p:spPr>
-        <p:txBody>
-          <a:bodyPr wrap="none" rtlCol="0">
-            <a:spAutoFit/>
-          </a:bodyPr>
-          <a:p>
-            <a:r>
-              <a:rPr lang="en-US"/>
-              <a:t>Remote</a:t>
-            </a:r>
-            <a:endParaRPr lang="en-US"/>
-          </a:p>
-        </p:txBody>
-      </p:sp>
-      <p:sp>
-        <p:nvSpPr>
-          <p:cNvPr id="20" name="Oval 19"/>
+          <p:cNvPr id="9" name="Oval 8"/>
           <p:cNvSpPr/>
           <p:nvPr/>
         </p:nvSpPr>
         <p:spPr>
           <a:xfrm>
-            <a:off x="2627630" y="6237605"/>
-            <a:ext cx="792480" cy="431800"/>
+            <a:off x="5940425" y="5013325"/>
+            <a:ext cx="503555" cy="504190"/>
           </a:xfrm>
           <a:prstGeom prst="ellipse">
             <a:avLst/>
@@ -3393,7 +3338,50 @@
             <a:pPr algn="ctr"/>
             <a:r>
               <a:rPr lang="en-US"/>
-              <a:t>F1</a:t>
+              <a:t>R1</a:t>
+            </a:r>
+            <a:endParaRPr lang="en-US"/>
+          </a:p>
+        </p:txBody>
+      </p:sp>
+      <p:sp>
+        <p:nvSpPr>
+          <p:cNvPr id="10" name="Oval 9"/>
+          <p:cNvSpPr/>
+          <p:nvPr/>
+        </p:nvSpPr>
+        <p:spPr>
+          <a:xfrm>
+            <a:off x="7308215" y="4941570"/>
+            <a:ext cx="504190" cy="575945"/>
+          </a:xfrm>
+          <a:prstGeom prst="ellipse">
+            <a:avLst/>
+          </a:prstGeom>
+        </p:spPr>
+        <p:style>
+          <a:lnRef idx="2">
+            <a:schemeClr val="accent1">
+              <a:shade val="50000"/>
+            </a:schemeClr>
+          </a:lnRef>
+          <a:fillRef idx="1">
+            <a:schemeClr val="accent1"/>
+          </a:fillRef>
+          <a:effectRef idx="0">
+            <a:schemeClr val="accent1"/>
+          </a:effectRef>
+          <a:fontRef idx="minor">
+            <a:schemeClr val="lt1"/>
+          </a:fontRef>
+        </p:style>
+        <p:txBody>
+          <a:bodyPr rtlCol="0" anchor="ctr"/>
+          <a:p>
+            <a:pPr algn="ctr"/>
+            <a:r>
+              <a:rPr lang="en-US"/>
+              <a:t>R2</a:t>
             </a:r>
             <a:endParaRPr lang="en-US"/>
           </a:p>
@@ -3401,17 +3389,14 @@
       </p:sp>
       <p:cxnSp>
         <p:nvCxnSpPr>
-          <p:cNvPr id="26" name="Straight Arrow Connector 25"/>
-          <p:cNvCxnSpPr>
-            <a:stCxn id="11" idx="4"/>
-            <a:endCxn id="15" idx="0"/>
-          </p:cNvCxnSpPr>
+          <p:cNvPr id="11" name="Straight Arrow Connector 10"/>
+          <p:cNvCxnSpPr/>
           <p:nvPr/>
         </p:nvCxnSpPr>
         <p:spPr>
-          <a:xfrm>
-            <a:off x="4258310" y="4591050"/>
-            <a:ext cx="77470" cy="930910"/>
+          <a:xfrm flipH="1">
+            <a:off x="1475740" y="4554855"/>
+            <a:ext cx="2564765" cy="674370"/>
           </a:xfrm>
           <a:prstGeom prst="straightConnector1">
             <a:avLst/>
@@ -3437,17 +3422,14 @@
       </p:cxnSp>
       <p:cxnSp>
         <p:nvCxnSpPr>
-          <p:cNvPr id="31" name="Straight Arrow Connector 30"/>
-          <p:cNvCxnSpPr>
-            <a:stCxn id="15" idx="3"/>
-            <a:endCxn id="20" idx="7"/>
-          </p:cNvCxnSpPr>
+          <p:cNvPr id="12" name="Straight Arrow Connector 11"/>
+          <p:cNvCxnSpPr/>
           <p:nvPr/>
         </p:nvCxnSpPr>
         <p:spPr>
-          <a:xfrm flipH="1">
-            <a:off x="3303905" y="6013450"/>
-            <a:ext cx="751840" cy="287655"/>
+          <a:xfrm>
+            <a:off x="5207000" y="4693920"/>
+            <a:ext cx="805180" cy="319405"/>
           </a:xfrm>
           <a:prstGeom prst="straightConnector1">
             <a:avLst/>
@@ -3471,47 +3453,16 @@
           </a:fontRef>
         </p:style>
       </p:cxnSp>
-      <p:sp>
-        <p:nvSpPr>
-          <p:cNvPr id="33" name="Text Box 32"/>
-          <p:cNvSpPr txBox="1"/>
-          <p:nvPr/>
-        </p:nvSpPr>
-        <p:spPr>
-          <a:xfrm>
-            <a:off x="3721100" y="6301105"/>
-            <a:ext cx="2722880" cy="368300"/>
-          </a:xfrm>
-          <a:prstGeom prst="rect">
-            <a:avLst/>
-          </a:prstGeom>
-          <a:noFill/>
-        </p:spPr>
-        <p:txBody>
-          <a:bodyPr wrap="none" rtlCol="0">
-            <a:spAutoFit/>
-          </a:bodyPr>
-          <a:p>
-            <a:r>
-              <a:rPr lang="en-US"/>
-              <a:t>3. chkout Feature branch</a:t>
-            </a:r>
-            <a:endParaRPr lang="en-US"/>
-          </a:p>
-        </p:txBody>
-      </p:sp>
       <p:cxnSp>
         <p:nvCxnSpPr>
-          <p:cNvPr id="34" name="Straight Arrow Connector 33"/>
-          <p:cNvCxnSpPr>
-            <a:endCxn id="15" idx="2"/>
-          </p:cNvCxnSpPr>
+          <p:cNvPr id="13" name="Straight Arrow Connector 12"/>
+          <p:cNvCxnSpPr/>
           <p:nvPr/>
         </p:nvCxnSpPr>
         <p:spPr>
-          <a:xfrm flipV="1">
-            <a:off x="3088005" y="5810250"/>
-            <a:ext cx="851535" cy="361950"/>
+          <a:xfrm>
+            <a:off x="5356225" y="4345305"/>
+            <a:ext cx="2024380" cy="596265"/>
           </a:xfrm>
           <a:prstGeom prst="straightConnector1">
             <a:avLst/>
@@ -3535,45 +3486,49 @@
           </a:fontRef>
         </p:style>
       </p:cxnSp>
-      <p:sp>
-        <p:nvSpPr>
-          <p:cNvPr id="35" name="Text Box 34"/>
-          <p:cNvSpPr txBox="1"/>
-          <p:nvPr/>
-        </p:nvSpPr>
-        <p:spPr>
-          <a:xfrm>
-            <a:off x="2071370" y="5153660"/>
-            <a:ext cx="1541145" cy="1014730"/>
-          </a:xfrm>
-          <a:prstGeom prst="rect">
-            <a:avLst/>
-          </a:prstGeom>
-          <a:noFill/>
-        </p:spPr>
-        <p:txBody>
-          <a:bodyPr wrap="square" rtlCol="0">
-            <a:spAutoFit/>
-          </a:bodyPr>
-          <a:p>
-            <a:r>
-              <a:rPr lang="en-US" sz="1200"/>
-              <a:t>4. If the feature is intended to be in the next release then merge back to D</a:t>
-            </a:r>
-            <a:endParaRPr lang="en-US" sz="1200"/>
-          </a:p>
-        </p:txBody>
-      </p:sp>
-      <p:sp>
-        <p:nvSpPr>
-          <p:cNvPr id="36" name="Oval 35"/>
+      <p:cxnSp>
+        <p:nvCxnSpPr>
+          <p:cNvPr id="15" name="Straight Arrow Connector 14"/>
+          <p:cNvCxnSpPr/>
+          <p:nvPr/>
+        </p:nvCxnSpPr>
+        <p:spPr>
+          <a:xfrm flipV="1">
+            <a:off x="6192520" y="2205355"/>
+            <a:ext cx="0" cy="2736215"/>
+          </a:xfrm>
+          <a:prstGeom prst="straightConnector1">
+            <a:avLst/>
+          </a:prstGeom>
+          <a:ln>
+            <a:tailEnd type="arrow"/>
+          </a:ln>
+        </p:spPr>
+        <p:style>
+          <a:lnRef idx="1">
+            <a:schemeClr val="accent1"/>
+          </a:lnRef>
+          <a:fillRef idx="0">
+            <a:schemeClr val="accent1"/>
+          </a:fillRef>
+          <a:effectRef idx="0">
+            <a:schemeClr val="accent1"/>
+          </a:effectRef>
+          <a:fontRef idx="minor">
+            <a:schemeClr val="tx1"/>
+          </a:fontRef>
+        </p:style>
+      </p:cxnSp>
+      <p:sp>
+        <p:nvSpPr>
+          <p:cNvPr id="17" name="Oval 16"/>
           <p:cNvSpPr/>
           <p:nvPr/>
         </p:nvSpPr>
         <p:spPr>
           <a:xfrm>
-            <a:off x="6804025" y="5805170"/>
-            <a:ext cx="1008380" cy="792480"/>
+            <a:off x="5940425" y="1701165"/>
+            <a:ext cx="503555" cy="504190"/>
           </a:xfrm>
           <a:prstGeom prst="ellipse">
             <a:avLst/>
@@ -3609,14 +3564,14 @@
       </p:sp>
       <p:cxnSp>
         <p:nvCxnSpPr>
-          <p:cNvPr id="38" name="Straight Arrow Connector 37"/>
+          <p:cNvPr id="18" name="Straight Arrow Connector 17"/>
           <p:cNvCxnSpPr/>
           <p:nvPr/>
         </p:nvCxnSpPr>
         <p:spPr>
-          <a:xfrm>
-            <a:off x="4814570" y="5765165"/>
-            <a:ext cx="1917700" cy="328295"/>
+          <a:xfrm flipH="1" flipV="1">
+            <a:off x="5220335" y="1341120"/>
+            <a:ext cx="734060" cy="342900"/>
           </a:xfrm>
           <a:prstGeom prst="straightConnector1">
             <a:avLst/>
@@ -3642,14 +3597,14 @@
       </p:cxnSp>
       <p:sp>
         <p:nvSpPr>
-          <p:cNvPr id="39" name="Text Box 38"/>
+          <p:cNvPr id="19" name="Text Box 18"/>
           <p:cNvSpPr txBox="1"/>
           <p:nvPr/>
         </p:nvSpPr>
         <p:spPr>
           <a:xfrm>
-            <a:off x="6443980" y="5153660"/>
-            <a:ext cx="1891030" cy="460375"/>
+            <a:off x="4221480" y="1477010"/>
+            <a:ext cx="1604645" cy="953135"/>
           </a:xfrm>
           <a:prstGeom prst="rect">
             <a:avLst/>
@@ -3657,37 +3612,68 @@
           <a:noFill/>
         </p:spPr>
         <p:txBody>
-          <a:bodyPr wrap="none" rtlCol="0">
+          <a:bodyPr wrap="square" rtlCol="0">
             <a:spAutoFit/>
           </a:bodyPr>
           <a:p>
-            <a:pPr algn="l"/>
-            <a:r>
-              <a:rPr lang="en-US" sz="1200"/>
-              <a:t>5 For minor bug fixes</a:t>
-            </a:r>
-            <a:endParaRPr lang="en-US" sz="1200"/>
-          </a:p>
-          <a:p>
-            <a:pPr algn="l"/>
-            <a:r>
-              <a:rPr lang="en-US" sz="1200"/>
-              <a:t> and preparing meta-data</a:t>
-            </a:r>
-            <a:endParaRPr lang="en-US" sz="1200"/>
-          </a:p>
-        </p:txBody>
-      </p:sp>
-      <p:sp>
-        <p:nvSpPr>
-          <p:cNvPr id="42" name="Oval 41"/>
+            <a:r>
+              <a:rPr lang="en-US" sz="1400"/>
+              <a:t>Automatic merge is possible,</a:t>
+            </a:r>
+            <a:endParaRPr lang="en-US" sz="1400"/>
+          </a:p>
+          <a:p>
+            <a:r>
+              <a:rPr lang="en-US" sz="1400"/>
+              <a:t>fast forward merge </a:t>
+            </a:r>
+            <a:endParaRPr lang="en-US" sz="1400"/>
+          </a:p>
+        </p:txBody>
+      </p:sp>
+      <p:cxnSp>
+        <p:nvCxnSpPr>
+          <p:cNvPr id="20" name="Straight Arrow Connector 19"/>
+          <p:cNvCxnSpPr/>
+          <p:nvPr/>
+        </p:nvCxnSpPr>
+        <p:spPr>
+          <a:xfrm flipV="1">
+            <a:off x="7569200" y="1845310"/>
+            <a:ext cx="27305" cy="3018155"/>
+          </a:xfrm>
+          <a:prstGeom prst="straightConnector1">
+            <a:avLst/>
+          </a:prstGeom>
+          <a:ln>
+            <a:tailEnd type="arrow"/>
+          </a:ln>
+        </p:spPr>
+        <p:style>
+          <a:lnRef idx="1">
+            <a:schemeClr val="accent1"/>
+          </a:lnRef>
+          <a:fillRef idx="0">
+            <a:schemeClr val="accent1"/>
+          </a:fillRef>
+          <a:effectRef idx="0">
+            <a:schemeClr val="accent1"/>
+          </a:effectRef>
+          <a:fontRef idx="minor">
+            <a:schemeClr val="tx1"/>
+          </a:fontRef>
+        </p:style>
+      </p:cxnSp>
+      <p:sp>
+        <p:nvSpPr>
+          <p:cNvPr id="21" name="Oval 20"/>
           <p:cNvSpPr/>
           <p:nvPr/>
         </p:nvSpPr>
         <p:spPr>
           <a:xfrm>
-            <a:off x="6540500" y="1700530"/>
-            <a:ext cx="1033145" cy="720090"/>
+            <a:off x="7308215" y="1341120"/>
+            <a:ext cx="504190" cy="575945"/>
           </a:xfrm>
           <a:prstGeom prst="ellipse">
             <a:avLst/>
@@ -3715,7 +3701,7 @@
             <a:pPr algn="ctr"/>
             <a:r>
               <a:rPr lang="en-US"/>
-              <a:t>R1</a:t>
+              <a:t>R2</a:t>
             </a:r>
             <a:endParaRPr lang="en-US"/>
           </a:p>
@@ -3723,14 +3709,14 @@
       </p:sp>
       <p:cxnSp>
         <p:nvCxnSpPr>
-          <p:cNvPr id="43" name="Straight Arrow Connector 42"/>
+          <p:cNvPr id="23" name="Straight Arrow Connector 22"/>
           <p:cNvCxnSpPr/>
           <p:nvPr/>
         </p:nvCxnSpPr>
         <p:spPr>
-          <a:xfrm flipV="1">
-            <a:off x="7152005" y="2798445"/>
-            <a:ext cx="421640" cy="36830"/>
+          <a:xfrm flipH="1" flipV="1">
+            <a:off x="5436235" y="1196975"/>
+            <a:ext cx="1854200" cy="217805"/>
           </a:xfrm>
           <a:prstGeom prst="straightConnector1">
             <a:avLst/>
@@ -3756,14 +3742,14 @@
       </p:cxnSp>
       <p:sp>
         <p:nvSpPr>
-          <p:cNvPr id="44" name="Text Box 43"/>
+          <p:cNvPr id="24" name="Text Box 23"/>
           <p:cNvSpPr txBox="1"/>
           <p:nvPr/>
         </p:nvSpPr>
         <p:spPr>
           <a:xfrm>
-            <a:off x="7488555" y="2412365"/>
-            <a:ext cx="1410335" cy="521970"/>
+            <a:off x="6273165" y="243840"/>
+            <a:ext cx="2400935" cy="953135"/>
           </a:xfrm>
           <a:prstGeom prst="rect">
             <a:avLst/>
@@ -3777,7 +3763,16 @@
           <a:p>
             <a:r>
               <a:rPr lang="en-US" sz="1400"/>
-              <a:t>6 . R1 pushed to origin</a:t>
+              <a:t>As master is one commit ahead of the R2</a:t>
+            </a:r>
+            <a:endParaRPr lang="en-US" sz="1400"/>
+          </a:p>
+          <a:p>
+            <a:r>
+              <a:rPr lang="en-US" sz="1400">
+                <a:sym typeface="+mn-ea"/>
+              </a:rPr>
+              <a:t>fast forward merge isn't possible</a:t>
             </a:r>
             <a:endParaRPr lang="en-US" sz="1400"/>
           </a:p>
@@ -3785,16 +3780,14 @@
       </p:sp>
       <p:cxnSp>
         <p:nvCxnSpPr>
-          <p:cNvPr id="45" name="Straight Arrow Connector 44"/>
-          <p:cNvCxnSpPr>
-            <a:endCxn id="42" idx="4"/>
-          </p:cNvCxnSpPr>
+          <p:cNvPr id="26" name="Straight Arrow Connector 25"/>
+          <p:cNvCxnSpPr/>
           <p:nvPr/>
         </p:nvCxnSpPr>
         <p:spPr>
-          <a:xfrm flipH="1" flipV="1">
-            <a:off x="7057390" y="2420620"/>
-            <a:ext cx="149225" cy="3384550"/>
+          <a:xfrm>
+            <a:off x="4221480" y="1414780"/>
+            <a:ext cx="69850" cy="2534920"/>
           </a:xfrm>
           <a:prstGeom prst="straightConnector1">
             <a:avLst/>
@@ -3820,126 +3813,14 @@
       </p:cxnSp>
       <p:sp>
         <p:nvSpPr>
-          <p:cNvPr id="47" name="Text Box 46"/>
+          <p:cNvPr id="27" name="Text Box 26"/>
           <p:cNvSpPr txBox="1"/>
           <p:nvPr/>
         </p:nvSpPr>
         <p:spPr>
           <a:xfrm>
-            <a:off x="6170930" y="1044575"/>
-            <a:ext cx="1922145" cy="521970"/>
-          </a:xfrm>
-          <a:prstGeom prst="rect">
-            <a:avLst/>
-          </a:prstGeom>
-          <a:noFill/>
-        </p:spPr>
-        <p:txBody>
-          <a:bodyPr wrap="none" rtlCol="0">
-            <a:spAutoFit/>
-          </a:bodyPr>
-          <a:p>
-            <a:r>
-              <a:rPr lang="en-US" sz="1400"/>
-              <a:t>Perform SIT and UAT </a:t>
-            </a:r>
-            <a:endParaRPr lang="en-US" sz="1400"/>
-          </a:p>
-          <a:p>
-            <a:r>
-              <a:rPr lang="en-US" sz="1400"/>
-              <a:t>with this branch</a:t>
-            </a:r>
-            <a:endParaRPr lang="en-US" sz="1400"/>
-          </a:p>
-        </p:txBody>
-      </p:sp>
-      <p:cxnSp>
-        <p:nvCxnSpPr>
-          <p:cNvPr id="48" name="Straight Arrow Connector 47"/>
-          <p:cNvCxnSpPr/>
-          <p:nvPr/>
-        </p:nvCxnSpPr>
-        <p:spPr>
-          <a:xfrm flipH="1" flipV="1">
-            <a:off x="4572000" y="1052830"/>
-            <a:ext cx="1950085" cy="881380"/>
-          </a:xfrm>
-          <a:prstGeom prst="straightConnector1">
-            <a:avLst/>
-          </a:prstGeom>
-          <a:ln>
-            <a:tailEnd type="arrow"/>
-          </a:ln>
-        </p:spPr>
-        <p:style>
-          <a:lnRef idx="1">
-            <a:schemeClr val="accent1"/>
-          </a:lnRef>
-          <a:fillRef idx="0">
-            <a:schemeClr val="accent1"/>
-          </a:fillRef>
-          <a:effectRef idx="0">
-            <a:schemeClr val="accent1"/>
-          </a:effectRef>
-          <a:fontRef idx="minor">
-            <a:schemeClr val="tx1"/>
-          </a:fontRef>
-        </p:style>
-      </p:cxnSp>
-      <p:sp>
-        <p:nvSpPr>
-          <p:cNvPr id="49" name="Text Box 48"/>
-          <p:cNvSpPr txBox="1"/>
-          <p:nvPr/>
-        </p:nvSpPr>
-        <p:spPr>
-          <a:xfrm>
-            <a:off x="4732020" y="380365"/>
-            <a:ext cx="1508125" cy="737235"/>
-          </a:xfrm>
-          <a:prstGeom prst="rect">
-            <a:avLst/>
-          </a:prstGeom>
-          <a:noFill/>
-        </p:spPr>
-        <p:txBody>
-          <a:bodyPr wrap="none" rtlCol="0">
-            <a:spAutoFit/>
-          </a:bodyPr>
-          <a:p>
-            <a:r>
-              <a:rPr lang="en-US" sz="1400"/>
-              <a:t>Tag it with the</a:t>
-            </a:r>
-            <a:endParaRPr lang="en-US" sz="1400"/>
-          </a:p>
-          <a:p>
-            <a:r>
-              <a:rPr lang="en-US" sz="1400"/>
-              <a:t> version number </a:t>
-            </a:r>
-            <a:endParaRPr lang="en-US" sz="1400"/>
-          </a:p>
-          <a:p>
-            <a:r>
-              <a:rPr lang="en-US" sz="1400"/>
-              <a:t>and delete R1</a:t>
-            </a:r>
-            <a:endParaRPr lang="en-US" sz="1400"/>
-          </a:p>
-        </p:txBody>
-      </p:sp>
-      <p:sp>
-        <p:nvSpPr>
-          <p:cNvPr id="50" name="Text Box 49"/>
-          <p:cNvSpPr txBox="1"/>
-          <p:nvPr/>
-        </p:nvSpPr>
-        <p:spPr>
-          <a:xfrm>
-            <a:off x="3612515" y="1309370"/>
-            <a:ext cx="1160780" cy="368300"/>
+            <a:off x="5207000" y="243840"/>
+            <a:ext cx="1059180" cy="368300"/>
           </a:xfrm>
           <a:prstGeom prst="rect">
             <a:avLst/>
@@ -3971,7 +3852,7 @@
                 </a:solidFill>
                 <a:effectLst/>
               </a:rPr>
-              <a:t>Protected</a:t>
+              <a:t>Conflicts</a:t>
             </a:r>
             <a:endParaRPr lang="en-US">
               <a:ln w="22225">
@@ -3993,14 +3874,14 @@
       </p:sp>
       <p:sp>
         <p:nvSpPr>
-          <p:cNvPr id="51" name="Text Box 50"/>
+          <p:cNvPr id="29" name="Text Box 28"/>
           <p:cNvSpPr txBox="1"/>
           <p:nvPr/>
         </p:nvSpPr>
         <p:spPr>
           <a:xfrm>
-            <a:off x="7636510" y="1566545"/>
-            <a:ext cx="1182370" cy="645160"/>
+            <a:off x="3088640" y="438150"/>
+            <a:ext cx="673735" cy="368300"/>
           </a:xfrm>
           <a:prstGeom prst="rect">
             <a:avLst/>
@@ -4010,91 +3891,26 @@
         <p:txBody>
           <a:bodyPr wrap="square" rtlCol="0">
             <a:spAutoFit/>
-            <a:scene3d>
-              <a:camera prst="orthographicFront"/>
-              <a:lightRig rig="threePt" dir="t"/>
-            </a:scene3d>
           </a:bodyPr>
           <a:p>
             <a:r>
-              <a:rPr lang="en-US">
-                <a:ln w="22225">
-                  <a:solidFill>
-                    <a:schemeClr val="accent2"/>
-                  </a:solidFill>
-                  <a:prstDash val="solid"/>
-                </a:ln>
-                <a:solidFill>
-                  <a:schemeClr val="accent2">
-                    <a:lumMod val="40000"/>
-                    <a:lumOff val="60000"/>
-                  </a:schemeClr>
-                </a:solidFill>
-                <a:effectLst/>
-              </a:rPr>
-              <a:t>Non - protected</a:t>
-            </a:r>
-            <a:endParaRPr lang="en-US">
-              <a:ln w="22225">
-                <a:solidFill>
-                  <a:schemeClr val="accent2"/>
-                </a:solidFill>
-                <a:prstDash val="solid"/>
-              </a:ln>
-              <a:solidFill>
-                <a:schemeClr val="accent2">
-                  <a:lumMod val="40000"/>
-                  <a:lumOff val="60000"/>
-                </a:schemeClr>
-              </a:solidFill>
-              <a:effectLst/>
-            </a:endParaRPr>
-          </a:p>
-        </p:txBody>
-      </p:sp>
-      <p:cxnSp>
-        <p:nvCxnSpPr>
-          <p:cNvPr id="52" name="Straight Arrow Connector 51"/>
-          <p:cNvCxnSpPr/>
-          <p:nvPr/>
-        </p:nvCxnSpPr>
-        <p:spPr>
-          <a:xfrm flipH="1" flipV="1">
-            <a:off x="4814570" y="5640705"/>
-            <a:ext cx="2213610" cy="337820"/>
-          </a:xfrm>
-          <a:prstGeom prst="straightConnector1">
-            <a:avLst/>
-          </a:prstGeom>
-          <a:ln>
-            <a:tailEnd type="arrow"/>
-          </a:ln>
-        </p:spPr>
-        <p:style>
-          <a:lnRef idx="1">
-            <a:schemeClr val="accent1"/>
-          </a:lnRef>
-          <a:fillRef idx="0">
-            <a:schemeClr val="accent1"/>
-          </a:fillRef>
-          <a:effectRef idx="0">
-            <a:schemeClr val="accent1"/>
-          </a:effectRef>
-          <a:fontRef idx="minor">
-            <a:schemeClr val="tx1"/>
-          </a:fontRef>
-        </p:style>
-      </p:cxnSp>
-      <p:sp>
-        <p:nvSpPr>
-          <p:cNvPr id="53" name="Text Box 52"/>
+              <a:rPr lang="en-US"/>
+              <a:t>C1</a:t>
+            </a:r>
+            <a:endParaRPr lang="en-US"/>
+          </a:p>
+        </p:txBody>
+      </p:sp>
+      <p:sp>
+        <p:nvSpPr>
+          <p:cNvPr id="30" name="Text Box 29"/>
           <p:cNvSpPr txBox="1"/>
           <p:nvPr/>
         </p:nvSpPr>
         <p:spPr>
           <a:xfrm>
-            <a:off x="4695825" y="4999990"/>
-            <a:ext cx="2042795" cy="521970"/>
+            <a:off x="3541395" y="3841115"/>
+            <a:ext cx="474980" cy="368300"/>
           </a:xfrm>
           <a:prstGeom prst="rect">
             <a:avLst/>
@@ -4107,63 +3923,81 @@
           </a:bodyPr>
           <a:p>
             <a:r>
-              <a:rPr lang="en-US" sz="1400"/>
-              <a:t>7 .Minor changes made</a:t>
-            </a:r>
-            <a:endParaRPr lang="en-US" sz="1400"/>
-          </a:p>
-          <a:p>
-            <a:r>
-              <a:rPr lang="en-US" sz="1400"/>
-              <a:t>are merged back </a:t>
-            </a:r>
-            <a:endParaRPr lang="en-US" sz="1400"/>
-          </a:p>
-        </p:txBody>
-      </p:sp>
-      <p:cxnSp>
-        <p:nvCxnSpPr>
-          <p:cNvPr id="54" name="Straight Arrow Connector 53"/>
-          <p:cNvCxnSpPr/>
-          <p:nvPr/>
-        </p:nvCxnSpPr>
-        <p:spPr>
-          <a:xfrm flipH="1" flipV="1">
-            <a:off x="1547495" y="4004945"/>
-            <a:ext cx="2294890" cy="152400"/>
-          </a:xfrm>
-          <a:prstGeom prst="straightConnector1">
-            <a:avLst/>
-          </a:prstGeom>
-          <a:ln>
-            <a:tailEnd type="arrow"/>
-          </a:ln>
-        </p:spPr>
-        <p:style>
-          <a:lnRef idx="1">
-            <a:schemeClr val="accent1"/>
-          </a:lnRef>
-          <a:fillRef idx="0">
-            <a:schemeClr val="accent1"/>
-          </a:fillRef>
-          <a:effectRef idx="0">
-            <a:schemeClr val="accent1"/>
-          </a:effectRef>
-          <a:fontRef idx="minor">
-            <a:schemeClr val="tx1"/>
-          </a:fontRef>
-        </p:style>
-      </p:cxnSp>
-      <p:sp>
-        <p:nvSpPr>
-          <p:cNvPr id="55" name="Oval 54"/>
+              <a:rPr lang="en-US"/>
+              <a:t>C1</a:t>
+            </a:r>
+            <a:endParaRPr lang="en-US"/>
+          </a:p>
+        </p:txBody>
+      </p:sp>
+      <p:sp>
+        <p:nvSpPr>
+          <p:cNvPr id="31" name="Text Box 30"/>
+          <p:cNvSpPr txBox="1"/>
+          <p:nvPr/>
+        </p:nvSpPr>
+        <p:spPr>
+          <a:xfrm>
+            <a:off x="636905" y="4498975"/>
+            <a:ext cx="474980" cy="368300"/>
+          </a:xfrm>
+          <a:prstGeom prst="rect">
+            <a:avLst/>
+          </a:prstGeom>
+          <a:noFill/>
+        </p:spPr>
+        <p:txBody>
+          <a:bodyPr wrap="none" rtlCol="0">
+            <a:spAutoFit/>
+          </a:bodyPr>
+          <a:p>
+            <a:r>
+              <a:rPr lang="en-US"/>
+              <a:t>C1</a:t>
+            </a:r>
+            <a:endParaRPr lang="en-US"/>
+          </a:p>
+        </p:txBody>
+      </p:sp>
+      <p:sp>
+        <p:nvSpPr>
+          <p:cNvPr id="32" name="Text Box 31"/>
+          <p:cNvSpPr txBox="1"/>
+          <p:nvPr/>
+        </p:nvSpPr>
+        <p:spPr>
+          <a:xfrm>
+            <a:off x="5518785" y="5363210"/>
+            <a:ext cx="525145" cy="368300"/>
+          </a:xfrm>
+          <a:prstGeom prst="rect">
+            <a:avLst/>
+          </a:prstGeom>
+          <a:noFill/>
+        </p:spPr>
+        <p:txBody>
+          <a:bodyPr wrap="square" rtlCol="0">
+            <a:spAutoFit/>
+          </a:bodyPr>
+          <a:p>
+            <a:r>
+              <a:rPr lang="en-US"/>
+              <a:t>C1</a:t>
+            </a:r>
+            <a:endParaRPr lang="en-US"/>
+          </a:p>
+        </p:txBody>
+      </p:sp>
+      <p:sp>
+        <p:nvSpPr>
+          <p:cNvPr id="34" name="Oval 33"/>
           <p:cNvSpPr/>
           <p:nvPr/>
         </p:nvSpPr>
         <p:spPr>
           <a:xfrm>
-            <a:off x="395605" y="3573145"/>
-            <a:ext cx="1151890" cy="1007745"/>
+            <a:off x="6043930" y="5835650"/>
+            <a:ext cx="295910" cy="218440"/>
           </a:xfrm>
           <a:prstGeom prst="ellipse">
             <a:avLst/>
@@ -4189,9 +4023,303 @@
           <a:bodyPr rtlCol="0" anchor="ctr"/>
           <a:p>
             <a:pPr algn="ctr"/>
+            <a:endParaRPr lang="en-US"/>
+          </a:p>
+        </p:txBody>
+      </p:sp>
+      <p:sp>
+        <p:nvSpPr>
+          <p:cNvPr id="35" name="Oval 34"/>
+          <p:cNvSpPr/>
+          <p:nvPr/>
+        </p:nvSpPr>
+        <p:spPr>
+          <a:xfrm>
+            <a:off x="6003925" y="6287770"/>
+            <a:ext cx="440055" cy="238760"/>
+          </a:xfrm>
+          <a:prstGeom prst="ellipse">
+            <a:avLst/>
+          </a:prstGeom>
+        </p:spPr>
+        <p:style>
+          <a:lnRef idx="2">
+            <a:schemeClr val="accent1">
+              <a:shade val="50000"/>
+            </a:schemeClr>
+          </a:lnRef>
+          <a:fillRef idx="1">
+            <a:schemeClr val="accent1"/>
+          </a:fillRef>
+          <a:effectRef idx="0">
+            <a:schemeClr val="accent1"/>
+          </a:effectRef>
+          <a:fontRef idx="minor">
+            <a:schemeClr val="lt1"/>
+          </a:fontRef>
+        </p:style>
+        <p:txBody>
+          <a:bodyPr rtlCol="0" anchor="ctr"/>
+          <a:p>
+            <a:pPr algn="ctr"/>
+            <a:endParaRPr lang="en-US"/>
+          </a:p>
+        </p:txBody>
+      </p:sp>
+      <p:sp>
+        <p:nvSpPr>
+          <p:cNvPr id="36" name="Text Box 35"/>
+          <p:cNvSpPr txBox="1"/>
+          <p:nvPr/>
+        </p:nvSpPr>
+        <p:spPr>
+          <a:xfrm>
+            <a:off x="6443980" y="5791200"/>
+            <a:ext cx="967105" cy="306705"/>
+          </a:xfrm>
+          <a:prstGeom prst="rect">
+            <a:avLst/>
+          </a:prstGeom>
+          <a:noFill/>
+        </p:spPr>
+        <p:txBody>
+          <a:bodyPr wrap="square" rtlCol="0">
+            <a:spAutoFit/>
+          </a:bodyPr>
+          <a:p>
+            <a:r>
+              <a:rPr lang="en-US" sz="1400"/>
+              <a:t>R1-C1</a:t>
+            </a:r>
+            <a:endParaRPr lang="en-US" sz="1400"/>
+          </a:p>
+        </p:txBody>
+      </p:sp>
+      <p:sp>
+        <p:nvSpPr>
+          <p:cNvPr id="37" name="Text Box 36"/>
+          <p:cNvSpPr txBox="1"/>
+          <p:nvPr/>
+        </p:nvSpPr>
+        <p:spPr>
+          <a:xfrm>
+            <a:off x="6579235" y="6287770"/>
+            <a:ext cx="696595" cy="306705"/>
+          </a:xfrm>
+          <a:prstGeom prst="rect">
+            <a:avLst/>
+          </a:prstGeom>
+          <a:noFill/>
+        </p:spPr>
+        <p:txBody>
+          <a:bodyPr wrap="square" rtlCol="0">
+            <a:spAutoFit/>
+          </a:bodyPr>
+          <a:p>
+            <a:r>
+              <a:rPr lang="en-US" sz="1400"/>
+              <a:t>R1-C2</a:t>
+            </a:r>
+            <a:endParaRPr lang="en-US" sz="1400"/>
+          </a:p>
+        </p:txBody>
+      </p:sp>
+      <p:sp>
+        <p:nvSpPr>
+          <p:cNvPr id="44" name="Oval 43"/>
+          <p:cNvSpPr/>
+          <p:nvPr/>
+        </p:nvSpPr>
+        <p:spPr>
+          <a:xfrm>
+            <a:off x="7452360" y="5733415"/>
+            <a:ext cx="215900" cy="215900"/>
+          </a:xfrm>
+          <a:prstGeom prst="ellipse">
+            <a:avLst/>
+          </a:prstGeom>
+        </p:spPr>
+        <p:style>
+          <a:lnRef idx="2">
+            <a:schemeClr val="accent1">
+              <a:shade val="50000"/>
+            </a:schemeClr>
+          </a:lnRef>
+          <a:fillRef idx="1">
+            <a:schemeClr val="accent1"/>
+          </a:fillRef>
+          <a:effectRef idx="0">
+            <a:schemeClr val="accent1"/>
+          </a:effectRef>
+          <a:fontRef idx="minor">
+            <a:schemeClr val="lt1"/>
+          </a:fontRef>
+        </p:style>
+        <p:txBody>
+          <a:bodyPr rtlCol="0" anchor="ctr"/>
+          <a:p>
+            <a:pPr algn="ctr"/>
+            <a:endParaRPr lang="en-US"/>
+          </a:p>
+        </p:txBody>
+      </p:sp>
+      <p:sp>
+        <p:nvSpPr>
+          <p:cNvPr id="45" name="Text Box 44"/>
+          <p:cNvSpPr txBox="1"/>
+          <p:nvPr/>
+        </p:nvSpPr>
+        <p:spPr>
+          <a:xfrm>
+            <a:off x="8112760" y="5067300"/>
+            <a:ext cx="474980" cy="368300"/>
+          </a:xfrm>
+          <a:prstGeom prst="rect">
+            <a:avLst/>
+          </a:prstGeom>
+          <a:noFill/>
+        </p:spPr>
+        <p:txBody>
+          <a:bodyPr wrap="none" rtlCol="0">
+            <a:spAutoFit/>
+          </a:bodyPr>
+          <a:p>
             <a:r>
               <a:rPr lang="en-US"/>
-              <a:t>H1</a:t>
+              <a:t>C1</a:t>
+            </a:r>
+            <a:endParaRPr lang="en-US"/>
+          </a:p>
+        </p:txBody>
+      </p:sp>
+      <p:sp>
+        <p:nvSpPr>
+          <p:cNvPr id="46" name="Text Box 45"/>
+          <p:cNvSpPr txBox="1"/>
+          <p:nvPr/>
+        </p:nvSpPr>
+        <p:spPr>
+          <a:xfrm>
+            <a:off x="7812405" y="5657215"/>
+            <a:ext cx="843280" cy="368300"/>
+          </a:xfrm>
+          <a:prstGeom prst="rect">
+            <a:avLst/>
+          </a:prstGeom>
+          <a:noFill/>
+        </p:spPr>
+        <p:txBody>
+          <a:bodyPr wrap="none" rtlCol="0">
+            <a:spAutoFit/>
+          </a:bodyPr>
+          <a:p>
+            <a:r>
+              <a:rPr lang="en-US"/>
+              <a:t>R2-C1</a:t>
+            </a:r>
+            <a:endParaRPr lang="en-US"/>
+          </a:p>
+        </p:txBody>
+      </p:sp>
+    </p:spTree>
+  </p:cSld>
+  <p:clrMapOvr>
+    <a:masterClrMapping/>
+  </p:clrMapOvr>
+</p:sld>
+</file>
+
+<file path=ppt/slides/slide2.xml><?xml version="1.0" encoding="utf-8"?>
+<p:sld xmlns:a="http://schemas.openxmlformats.org/drawingml/2006/main" xmlns:r="http://schemas.openxmlformats.org/officeDocument/2006/relationships" xmlns:p="http://schemas.openxmlformats.org/presentationml/2006/main">
+  <p:cSld>
+    <p:spTree>
+      <p:nvGrpSpPr>
+        <p:cNvPr id="1" name=""/>
+        <p:cNvGrpSpPr/>
+        <p:nvPr/>
+      </p:nvGrpSpPr>
+      <p:grpSpPr/>
+      <p:sp>
+        <p:nvSpPr>
+          <p:cNvPr id="4" name="Oval 3"/>
+          <p:cNvSpPr/>
+          <p:nvPr/>
+        </p:nvSpPr>
+        <p:spPr>
+          <a:xfrm>
+            <a:off x="3815715" y="642620"/>
+            <a:ext cx="1511935" cy="849630"/>
+          </a:xfrm>
+          <a:prstGeom prst="ellipse">
+            <a:avLst/>
+          </a:prstGeom>
+        </p:spPr>
+        <p:style>
+          <a:lnRef idx="2">
+            <a:schemeClr val="accent1">
+              <a:shade val="50000"/>
+            </a:schemeClr>
+          </a:lnRef>
+          <a:fillRef idx="1">
+            <a:schemeClr val="accent1"/>
+          </a:fillRef>
+          <a:effectRef idx="0">
+            <a:schemeClr val="accent1"/>
+          </a:effectRef>
+          <a:fontRef idx="minor">
+            <a:schemeClr val="lt1"/>
+          </a:fontRef>
+        </p:style>
+        <p:txBody>
+          <a:bodyPr rtlCol="0" anchor="ctr"/>
+          <a:p>
+            <a:pPr algn="ctr"/>
+            <a:r>
+              <a:rPr lang="en-US"/>
+              <a:t>Master</a:t>
+            </a:r>
+            <a:endParaRPr lang="en-US"/>
+          </a:p>
+        </p:txBody>
+      </p:sp>
+      <p:sp>
+        <p:nvSpPr>
+          <p:cNvPr id="5" name="Oval 4"/>
+          <p:cNvSpPr/>
+          <p:nvPr/>
+        </p:nvSpPr>
+        <p:spPr>
+          <a:xfrm>
+            <a:off x="3796665" y="4581525"/>
+            <a:ext cx="1511935" cy="791845"/>
+          </a:xfrm>
+          <a:prstGeom prst="ellipse">
+            <a:avLst/>
+          </a:prstGeom>
+        </p:spPr>
+        <p:style>
+          <a:lnRef idx="2">
+            <a:schemeClr val="accent1">
+              <a:shade val="50000"/>
+            </a:schemeClr>
+          </a:lnRef>
+          <a:fillRef idx="1">
+            <a:schemeClr val="accent1"/>
+          </a:fillRef>
+          <a:effectRef idx="0">
+            <a:schemeClr val="accent1"/>
+          </a:effectRef>
+          <a:fontRef idx="minor">
+            <a:schemeClr val="lt1"/>
+          </a:fontRef>
+        </p:style>
+        <p:txBody>
+          <a:bodyPr rtlCol="0" anchor="ctr"/>
+          <a:p>
+            <a:pPr algn="ctr"/>
+            <a:r>
+              <a:rPr lang="en-US"/>
+              <a:t>Master</a:t>
             </a:r>
             <a:endParaRPr lang="en-US"/>
           </a:p>
@@ -4199,21 +4327,18 @@
       </p:sp>
       <p:cxnSp>
         <p:nvCxnSpPr>
-          <p:cNvPr id="56" name="Straight Arrow Connector 55"/>
+          <p:cNvPr id="7" name="Straight Connector 6"/>
           <p:cNvCxnSpPr/>
           <p:nvPr/>
         </p:nvCxnSpPr>
         <p:spPr>
           <a:xfrm>
-            <a:off x="1499870" y="4316095"/>
-            <a:ext cx="2496185" cy="1201420"/>
-          </a:xfrm>
-          <a:prstGeom prst="straightConnector1">
-            <a:avLst/>
-          </a:prstGeom>
-          <a:ln>
-            <a:tailEnd type="arrow"/>
-          </a:ln>
+            <a:off x="-3810" y="3428365"/>
+            <a:ext cx="9112250" cy="635"/>
+          </a:xfrm>
+          <a:prstGeom prst="line">
+            <a:avLst/>
+          </a:prstGeom>
         </p:spPr>
         <p:style>
           <a:lnRef idx="1">
@@ -4232,16 +4357,14 @@
       </p:cxnSp>
       <p:cxnSp>
         <p:nvCxnSpPr>
-          <p:cNvPr id="58" name="Straight Arrow Connector 57"/>
-          <p:cNvCxnSpPr>
-            <a:stCxn id="12" idx="4"/>
-          </p:cNvCxnSpPr>
+          <p:cNvPr id="8" name="Straight Arrow Connector 7"/>
+          <p:cNvCxnSpPr/>
           <p:nvPr/>
         </p:nvCxnSpPr>
         <p:spPr>
-          <a:xfrm>
-            <a:off x="4140200" y="1124585"/>
-            <a:ext cx="0" cy="2808605"/>
+          <a:xfrm flipH="1">
+            <a:off x="4427855" y="1564005"/>
+            <a:ext cx="71755" cy="3017520"/>
           </a:xfrm>
           <a:prstGeom prst="straightConnector1">
             <a:avLst/>
@@ -4267,14 +4390,14 @@
       </p:cxnSp>
       <p:sp>
         <p:nvSpPr>
-          <p:cNvPr id="59" name="Text Box 58"/>
+          <p:cNvPr id="9" name="Text Box 8"/>
           <p:cNvSpPr txBox="1"/>
           <p:nvPr/>
         </p:nvSpPr>
         <p:spPr>
           <a:xfrm>
-            <a:off x="4288790" y="2311400"/>
-            <a:ext cx="1727200" cy="306705"/>
+            <a:off x="4050665" y="3043555"/>
+            <a:ext cx="1479550" cy="306705"/>
           </a:xfrm>
           <a:prstGeom prst="rect">
             <a:avLst/>
@@ -4288,7 +4411,7 @@
           <a:p>
             <a:r>
               <a:rPr lang="en-US" sz="1400"/>
-              <a:t>1. pull the changes </a:t>
+              <a:t>pull the changes</a:t>
             </a:r>
             <a:endParaRPr lang="en-US" sz="1400"/>
           </a:p>
@@ -4296,105 +4419,14 @@
       </p:sp>
       <p:sp>
         <p:nvSpPr>
-          <p:cNvPr id="60" name="Text Box 59"/>
-          <p:cNvSpPr txBox="1"/>
-          <p:nvPr/>
-        </p:nvSpPr>
-        <p:spPr>
-          <a:xfrm>
-            <a:off x="1922145" y="3598545"/>
-            <a:ext cx="2073910" cy="521970"/>
-          </a:xfrm>
-          <a:prstGeom prst="rect">
-            <a:avLst/>
-          </a:prstGeom>
-          <a:noFill/>
-        </p:spPr>
-        <p:txBody>
-          <a:bodyPr wrap="square" rtlCol="0">
-            <a:spAutoFit/>
-          </a:bodyPr>
-          <a:p>
-            <a:r>
-              <a:rPr lang="en-US" sz="1400"/>
-              <a:t>2(b). checkout the latest</a:t>
-            </a:r>
-            <a:endParaRPr lang="en-US" sz="1400"/>
-          </a:p>
-        </p:txBody>
-      </p:sp>
-      <p:sp>
-        <p:nvSpPr>
-          <p:cNvPr id="61" name="Text Box 60"/>
-          <p:cNvSpPr txBox="1"/>
-          <p:nvPr/>
-        </p:nvSpPr>
-        <p:spPr>
-          <a:xfrm>
-            <a:off x="1986915" y="4502150"/>
-            <a:ext cx="1855470" cy="306705"/>
-          </a:xfrm>
-          <a:prstGeom prst="rect">
-            <a:avLst/>
-          </a:prstGeom>
-          <a:noFill/>
-        </p:spPr>
-        <p:txBody>
-          <a:bodyPr wrap="none" rtlCol="0">
-            <a:spAutoFit/>
-          </a:bodyPr>
-          <a:p>
-            <a:r>
-              <a:rPr lang="en-US" sz="1400"/>
-              <a:t>10. Merge to develop</a:t>
-            </a:r>
-            <a:endParaRPr lang="en-US" sz="1400"/>
-          </a:p>
-        </p:txBody>
-      </p:sp>
-      <p:cxnSp>
-        <p:nvCxnSpPr>
-          <p:cNvPr id="62" name="Straight Arrow Connector 61"/>
-          <p:cNvCxnSpPr/>
-          <p:nvPr/>
-        </p:nvCxnSpPr>
-        <p:spPr>
-          <a:xfrm flipH="1" flipV="1">
-            <a:off x="827405" y="2412365"/>
-            <a:ext cx="37465" cy="1357630"/>
-          </a:xfrm>
-          <a:prstGeom prst="straightConnector1">
-            <a:avLst/>
-          </a:prstGeom>
-          <a:ln>
-            <a:tailEnd type="arrow"/>
-          </a:ln>
-        </p:spPr>
-        <p:style>
-          <a:lnRef idx="1">
-            <a:schemeClr val="accent1"/>
-          </a:lnRef>
-          <a:fillRef idx="0">
-            <a:schemeClr val="accent1"/>
-          </a:fillRef>
-          <a:effectRef idx="0">
-            <a:schemeClr val="accent1"/>
-          </a:effectRef>
-          <a:fontRef idx="minor">
-            <a:schemeClr val="tx1"/>
-          </a:fontRef>
-        </p:style>
-      </p:cxnSp>
-      <p:sp>
-        <p:nvSpPr>
-          <p:cNvPr id="63" name="Oval 62"/>
+          <p:cNvPr id="10" name="Oval 9"/>
           <p:cNvSpPr/>
           <p:nvPr/>
         </p:nvSpPr>
         <p:spPr>
           <a:xfrm>
-            <a:off x="269875" y="1303655"/>
-            <a:ext cx="1151890" cy="1007745"/>
+            <a:off x="6804025" y="5229225"/>
+            <a:ext cx="792480" cy="720090"/>
           </a:xfrm>
           <a:prstGeom prst="ellipse">
             <a:avLst/>
@@ -4422,7 +4454,50 @@
             <a:pPr algn="ctr"/>
             <a:r>
               <a:rPr lang="en-US"/>
-              <a:t>H1</a:t>
+              <a:t>R2</a:t>
+            </a:r>
+            <a:endParaRPr lang="en-US"/>
+          </a:p>
+        </p:txBody>
+      </p:sp>
+      <p:sp>
+        <p:nvSpPr>
+          <p:cNvPr id="11" name="Oval 10"/>
+          <p:cNvSpPr/>
+          <p:nvPr/>
+        </p:nvSpPr>
+        <p:spPr>
+          <a:xfrm>
+            <a:off x="5580380" y="6021705"/>
+            <a:ext cx="720090" cy="575945"/>
+          </a:xfrm>
+          <a:prstGeom prst="ellipse">
+            <a:avLst/>
+          </a:prstGeom>
+        </p:spPr>
+        <p:style>
+          <a:lnRef idx="2">
+            <a:schemeClr val="accent1">
+              <a:shade val="50000"/>
+            </a:schemeClr>
+          </a:lnRef>
+          <a:fillRef idx="1">
+            <a:schemeClr val="accent1"/>
+          </a:fillRef>
+          <a:effectRef idx="0">
+            <a:schemeClr val="accent1"/>
+          </a:effectRef>
+          <a:fontRef idx="minor">
+            <a:schemeClr val="lt1"/>
+          </a:fontRef>
+        </p:style>
+        <p:txBody>
+          <a:bodyPr rtlCol="0" anchor="ctr"/>
+          <a:p>
+            <a:pPr algn="ctr"/>
+            <a:r>
+              <a:rPr lang="en-US"/>
+              <a:t>R3</a:t>
             </a:r>
             <a:endParaRPr lang="en-US"/>
           </a:p>
@@ -4430,16 +4505,14 @@
       </p:sp>
       <p:cxnSp>
         <p:nvCxnSpPr>
-          <p:cNvPr id="64" name="Straight Arrow Connector 63"/>
-          <p:cNvCxnSpPr>
-            <a:endCxn id="12" idx="2"/>
-          </p:cNvCxnSpPr>
+          <p:cNvPr id="12" name="Straight Arrow Connector 11"/>
+          <p:cNvCxnSpPr/>
           <p:nvPr/>
         </p:nvCxnSpPr>
         <p:spPr>
-          <a:xfrm flipV="1">
-            <a:off x="1440180" y="873125"/>
-            <a:ext cx="2267585" cy="554990"/>
+          <a:xfrm>
+            <a:off x="4937760" y="5373370"/>
+            <a:ext cx="642620" cy="649605"/>
           </a:xfrm>
           <a:prstGeom prst="straightConnector1">
             <a:avLst/>
@@ -4463,16 +4536,216 @@
           </a:fontRef>
         </p:style>
       </p:cxnSp>
-      <p:sp>
-        <p:nvSpPr>
-          <p:cNvPr id="65" name="Text Box 64"/>
+      <p:cxnSp>
+        <p:nvCxnSpPr>
+          <p:cNvPr id="13" name="Straight Arrow Connector 12"/>
+          <p:cNvCxnSpPr/>
+          <p:nvPr/>
+        </p:nvCxnSpPr>
+        <p:spPr>
+          <a:xfrm>
+            <a:off x="5366385" y="5053330"/>
+            <a:ext cx="1437640" cy="320040"/>
+          </a:xfrm>
+          <a:prstGeom prst="straightConnector1">
+            <a:avLst/>
+          </a:prstGeom>
+          <a:ln>
+            <a:tailEnd type="arrow"/>
+          </a:ln>
+        </p:spPr>
+        <p:style>
+          <a:lnRef idx="1">
+            <a:schemeClr val="accent1"/>
+          </a:lnRef>
+          <a:fillRef idx="0">
+            <a:schemeClr val="accent1"/>
+          </a:fillRef>
+          <a:effectRef idx="0">
+            <a:schemeClr val="accent1"/>
+          </a:effectRef>
+          <a:fontRef idx="minor">
+            <a:schemeClr val="tx1"/>
+          </a:fontRef>
+        </p:style>
+      </p:cxnSp>
+      <p:sp>
+        <p:nvSpPr>
+          <p:cNvPr id="14" name="Text Box 13"/>
           <p:cNvSpPr txBox="1"/>
           <p:nvPr/>
         </p:nvSpPr>
         <p:spPr>
           <a:xfrm>
-            <a:off x="1322070" y="496570"/>
-            <a:ext cx="2540000" cy="737235"/>
+            <a:off x="5366385" y="5328285"/>
+            <a:ext cx="774700" cy="521970"/>
+          </a:xfrm>
+          <a:prstGeom prst="rect">
+            <a:avLst/>
+          </a:prstGeom>
+          <a:noFill/>
+        </p:spPr>
+        <p:txBody>
+          <a:bodyPr wrap="square" rtlCol="0">
+            <a:spAutoFit/>
+          </a:bodyPr>
+          <a:p>
+            <a:r>
+              <a:rPr lang="en-US" sz="1400"/>
+              <a:t>Checkout</a:t>
+            </a:r>
+            <a:endParaRPr lang="en-US" sz="1400"/>
+          </a:p>
+        </p:txBody>
+      </p:sp>
+      <p:sp>
+        <p:nvSpPr>
+          <p:cNvPr id="15" name="Text Box 14"/>
+          <p:cNvSpPr txBox="1"/>
+          <p:nvPr/>
+        </p:nvSpPr>
+        <p:spPr>
+          <a:xfrm>
+            <a:off x="5844540" y="4746625"/>
+            <a:ext cx="1794510" cy="306705"/>
+          </a:xfrm>
+          <a:prstGeom prst="rect">
+            <a:avLst/>
+          </a:prstGeom>
+          <a:noFill/>
+        </p:spPr>
+        <p:txBody>
+          <a:bodyPr wrap="none" rtlCol="0">
+            <a:spAutoFit/>
+          </a:bodyPr>
+          <a:p>
+            <a:r>
+              <a:rPr lang="en-US" sz="1400"/>
+              <a:t>Rebase from master</a:t>
+            </a:r>
+            <a:endParaRPr lang="en-US" sz="1400"/>
+          </a:p>
+        </p:txBody>
+      </p:sp>
+      <p:sp>
+        <p:nvSpPr>
+          <p:cNvPr id="16" name="Oval 15"/>
+          <p:cNvSpPr/>
+          <p:nvPr/>
+        </p:nvSpPr>
+        <p:spPr>
+          <a:xfrm>
+            <a:off x="6732270" y="1557020"/>
+            <a:ext cx="720090" cy="720090"/>
+          </a:xfrm>
+          <a:prstGeom prst="ellipse">
+            <a:avLst/>
+          </a:prstGeom>
+        </p:spPr>
+        <p:style>
+          <a:lnRef idx="2">
+            <a:schemeClr val="accent1">
+              <a:shade val="50000"/>
+            </a:schemeClr>
+          </a:lnRef>
+          <a:fillRef idx="1">
+            <a:schemeClr val="accent1"/>
+          </a:fillRef>
+          <a:effectRef idx="0">
+            <a:schemeClr val="accent1"/>
+          </a:effectRef>
+          <a:fontRef idx="minor">
+            <a:schemeClr val="lt1"/>
+          </a:fontRef>
+        </p:style>
+        <p:txBody>
+          <a:bodyPr rtlCol="0" anchor="ctr"/>
+          <a:p>
+            <a:pPr algn="ctr"/>
+            <a:r>
+              <a:rPr lang="en-US"/>
+              <a:t>R2</a:t>
+            </a:r>
+            <a:endParaRPr lang="en-US"/>
+          </a:p>
+        </p:txBody>
+      </p:sp>
+      <p:cxnSp>
+        <p:nvCxnSpPr>
+          <p:cNvPr id="17" name="Straight Arrow Connector 16"/>
+          <p:cNvCxnSpPr/>
+          <p:nvPr/>
+        </p:nvCxnSpPr>
+        <p:spPr>
+          <a:xfrm flipH="1" flipV="1">
+            <a:off x="7092315" y="2348865"/>
+            <a:ext cx="98425" cy="2783840"/>
+          </a:xfrm>
+          <a:prstGeom prst="straightConnector1">
+            <a:avLst/>
+          </a:prstGeom>
+          <a:ln>
+            <a:tailEnd type="arrow"/>
+          </a:ln>
+        </p:spPr>
+        <p:style>
+          <a:lnRef idx="1">
+            <a:schemeClr val="accent1"/>
+          </a:lnRef>
+          <a:fillRef idx="0">
+            <a:schemeClr val="accent1"/>
+          </a:fillRef>
+          <a:effectRef idx="0">
+            <a:schemeClr val="accent1"/>
+          </a:effectRef>
+          <a:fontRef idx="minor">
+            <a:schemeClr val="tx1"/>
+          </a:fontRef>
+        </p:style>
+      </p:cxnSp>
+      <p:cxnSp>
+        <p:nvCxnSpPr>
+          <p:cNvPr id="18" name="Straight Arrow Connector 17"/>
+          <p:cNvCxnSpPr/>
+          <p:nvPr/>
+        </p:nvCxnSpPr>
+        <p:spPr>
+          <a:xfrm flipH="1" flipV="1">
+            <a:off x="5436235" y="1125220"/>
+            <a:ext cx="1296035" cy="459105"/>
+          </a:xfrm>
+          <a:prstGeom prst="straightConnector1">
+            <a:avLst/>
+          </a:prstGeom>
+          <a:ln>
+            <a:tailEnd type="arrow"/>
+          </a:ln>
+        </p:spPr>
+        <p:style>
+          <a:lnRef idx="1">
+            <a:schemeClr val="accent1"/>
+          </a:lnRef>
+          <a:fillRef idx="0">
+            <a:schemeClr val="accent1"/>
+          </a:fillRef>
+          <a:effectRef idx="0">
+            <a:schemeClr val="accent1"/>
+          </a:effectRef>
+          <a:fontRef idx="minor">
+            <a:schemeClr val="tx1"/>
+          </a:fontRef>
+        </p:style>
+      </p:cxnSp>
+      <p:sp>
+        <p:nvSpPr>
+          <p:cNvPr id="19" name="Text Box 18"/>
+          <p:cNvSpPr txBox="1"/>
+          <p:nvPr/>
+        </p:nvSpPr>
+        <p:spPr>
+          <a:xfrm>
+            <a:off x="5844540" y="76835"/>
+            <a:ext cx="1463675" cy="1168400"/>
           </a:xfrm>
           <a:prstGeom prst="rect">
             <a:avLst/>
@@ -4488,7 +4761,7 @@
               <a:rPr lang="en-US" sz="1400">
                 <a:sym typeface="+mn-ea"/>
               </a:rPr>
-              <a:t>Tag it with the</a:t>
+              <a:t>Automatic merge is possible,</a:t>
             </a:r>
             <a:endParaRPr lang="en-US" sz="1400"/>
           </a:p>
@@ -4497,31 +4770,131 @@
               <a:rPr lang="en-US" sz="1400">
                 <a:sym typeface="+mn-ea"/>
               </a:rPr>
-              <a:t> version number </a:t>
+              <a:t>fast forward merge </a:t>
             </a:r>
             <a:endParaRPr lang="en-US" sz="1400"/>
           </a:p>
-          <a:p>
-            <a:r>
-              <a:rPr lang="en-US" sz="1400">
-                <a:sym typeface="+mn-ea"/>
-              </a:rPr>
-              <a:t>and delete R1</a:t>
-            </a:r>
-            <a:endParaRPr lang="en-US" sz="1400"/>
-          </a:p>
-        </p:txBody>
-      </p:sp>
-      <p:sp>
-        <p:nvSpPr>
-          <p:cNvPr id="66" name="Text Box 65"/>
+        </p:txBody>
+      </p:sp>
+      <p:cxnSp>
+        <p:nvCxnSpPr>
+          <p:cNvPr id="20" name="Straight Arrow Connector 19"/>
+          <p:cNvCxnSpPr/>
+          <p:nvPr/>
+        </p:nvCxnSpPr>
+        <p:spPr>
+          <a:xfrm flipH="1">
+            <a:off x="1764030" y="5122545"/>
+            <a:ext cx="2007870" cy="466725"/>
+          </a:xfrm>
+          <a:prstGeom prst="straightConnector1">
+            <a:avLst/>
+          </a:prstGeom>
+          <a:ln>
+            <a:tailEnd type="arrow"/>
+          </a:ln>
+        </p:spPr>
+        <p:style>
+          <a:lnRef idx="1">
+            <a:schemeClr val="accent1"/>
+          </a:lnRef>
+          <a:fillRef idx="0">
+            <a:schemeClr val="accent1"/>
+          </a:fillRef>
+          <a:effectRef idx="0">
+            <a:schemeClr val="accent1"/>
+          </a:effectRef>
+          <a:fontRef idx="minor">
+            <a:schemeClr val="tx1"/>
+          </a:fontRef>
+        </p:style>
+      </p:cxnSp>
+      <p:sp>
+        <p:nvSpPr>
+          <p:cNvPr id="21" name="Oval 20"/>
+          <p:cNvSpPr/>
+          <p:nvPr/>
+        </p:nvSpPr>
+        <p:spPr>
+          <a:xfrm>
+            <a:off x="971550" y="5517515"/>
+            <a:ext cx="792480" cy="575945"/>
+          </a:xfrm>
+          <a:prstGeom prst="ellipse">
+            <a:avLst/>
+          </a:prstGeom>
+        </p:spPr>
+        <p:style>
+          <a:lnRef idx="2">
+            <a:schemeClr val="accent1">
+              <a:shade val="50000"/>
+            </a:schemeClr>
+          </a:lnRef>
+          <a:fillRef idx="1">
+            <a:schemeClr val="accent1"/>
+          </a:fillRef>
+          <a:effectRef idx="0">
+            <a:schemeClr val="accent1"/>
+          </a:effectRef>
+          <a:fontRef idx="minor">
+            <a:schemeClr val="lt1"/>
+          </a:fontRef>
+        </p:style>
+        <p:txBody>
+          <a:bodyPr rtlCol="0" anchor="ctr"/>
+          <a:p>
+            <a:pPr algn="ctr"/>
+            <a:r>
+              <a:rPr lang="en-US"/>
+              <a:t>F1</a:t>
+            </a:r>
+            <a:endParaRPr lang="en-US"/>
+          </a:p>
+        </p:txBody>
+      </p:sp>
+      <p:cxnSp>
+        <p:nvCxnSpPr>
+          <p:cNvPr id="22" name="Straight Arrow Connector 21"/>
+          <p:cNvCxnSpPr/>
+          <p:nvPr/>
+        </p:nvCxnSpPr>
+        <p:spPr>
+          <a:xfrm>
+            <a:off x="1868170" y="5949950"/>
+            <a:ext cx="3639820" cy="359410"/>
+          </a:xfrm>
+          <a:prstGeom prst="straightConnector1">
+            <a:avLst/>
+          </a:prstGeom>
+          <a:ln>
+            <a:tailEnd type="arrow"/>
+          </a:ln>
+        </p:spPr>
+        <p:style>
+          <a:lnRef idx="1">
+            <a:schemeClr val="accent1"/>
+          </a:lnRef>
+          <a:fillRef idx="0">
+            <a:schemeClr val="accent1"/>
+          </a:fillRef>
+          <a:effectRef idx="0">
+            <a:schemeClr val="accent1"/>
+          </a:effectRef>
+          <a:fontRef idx="minor">
+            <a:schemeClr val="tx1"/>
+          </a:fontRef>
+        </p:style>
+      </p:cxnSp>
+      <p:sp>
+        <p:nvSpPr>
+          <p:cNvPr id="23" name="Text Box 22"/>
           <p:cNvSpPr txBox="1"/>
           <p:nvPr/>
         </p:nvSpPr>
         <p:spPr>
           <a:xfrm>
-            <a:off x="4140200" y="4763770"/>
-            <a:ext cx="1261110" cy="306705"/>
+            <a:off x="2755265" y="6229350"/>
+            <a:ext cx="2075180" cy="368300"/>
           </a:xfrm>
           <a:prstGeom prst="rect">
             <a:avLst/>
@@ -4534,23 +4907,23 @@
           </a:bodyPr>
           <a:p>
             <a:r>
-              <a:rPr lang="en-US" sz="1400"/>
-              <a:t>2(a) checkout</a:t>
-            </a:r>
-            <a:endParaRPr lang="en-US" sz="1400"/>
-          </a:p>
-        </p:txBody>
-      </p:sp>
-      <p:sp>
-        <p:nvSpPr>
-          <p:cNvPr id="68" name="Text Box 67"/>
+              <a:rPr lang="en-US"/>
+              <a:t>squash and merge</a:t>
+            </a:r>
+            <a:endParaRPr lang="en-US"/>
+          </a:p>
+        </p:txBody>
+      </p:sp>
+      <p:sp>
+        <p:nvSpPr>
+          <p:cNvPr id="24" name="Text Box 23"/>
           <p:cNvSpPr txBox="1"/>
           <p:nvPr/>
         </p:nvSpPr>
         <p:spPr>
           <a:xfrm>
-            <a:off x="868680" y="2771775"/>
-            <a:ext cx="2131695" cy="583565"/>
+            <a:off x="1868170" y="4860925"/>
+            <a:ext cx="881380" cy="368300"/>
           </a:xfrm>
           <a:prstGeom prst="rect">
             <a:avLst/>
@@ -4562,30 +4935,374 @@
             <a:spAutoFit/>
           </a:bodyPr>
           <a:p>
-            <a:pPr algn="l"/>
-            <a:r>
-              <a:rPr lang="en-US" sz="1400">
+            <a:r>
+              <a:rPr lang="en-US"/>
+              <a:t>rebase</a:t>
+            </a:r>
+            <a:endParaRPr lang="en-US"/>
+          </a:p>
+        </p:txBody>
+      </p:sp>
+    </p:spTree>
+  </p:cSld>
+  <p:clrMapOvr>
+    <a:masterClrMapping/>
+  </p:clrMapOvr>
+</p:sld>
+</file>
+
+<file path=ppt/slides/slide3.xml><?xml version="1.0" encoding="utf-8"?>
+<p:sld xmlns:a="http://schemas.openxmlformats.org/drawingml/2006/main" xmlns:r="http://schemas.openxmlformats.org/officeDocument/2006/relationships" xmlns:p="http://schemas.openxmlformats.org/presentationml/2006/main">
+  <p:cSld>
+    <p:spTree>
+      <p:nvGrpSpPr>
+        <p:cNvPr id="1" name=""/>
+        <p:cNvGrpSpPr/>
+        <p:nvPr/>
+      </p:nvGrpSpPr>
+      <p:grpSpPr/>
+      <p:cxnSp>
+        <p:nvCxnSpPr>
+          <p:cNvPr id="6" name="Straight Connector 5"/>
+          <p:cNvCxnSpPr/>
+          <p:nvPr/>
+        </p:nvCxnSpPr>
+        <p:spPr>
+          <a:xfrm flipV="1">
+            <a:off x="3810" y="3467100"/>
+            <a:ext cx="9137015" cy="111125"/>
+          </a:xfrm>
+          <a:prstGeom prst="line">
+            <a:avLst/>
+          </a:prstGeom>
+        </p:spPr>
+        <p:style>
+          <a:lnRef idx="1">
+            <a:schemeClr val="accent1"/>
+          </a:lnRef>
+          <a:fillRef idx="0">
+            <a:schemeClr val="accent1"/>
+          </a:fillRef>
+          <a:effectRef idx="0">
+            <a:schemeClr val="accent1"/>
+          </a:effectRef>
+          <a:fontRef idx="minor">
+            <a:schemeClr val="tx1"/>
+          </a:fontRef>
+        </p:style>
+      </p:cxnSp>
+      <p:sp>
+        <p:nvSpPr>
+          <p:cNvPr id="7" name="Oval 6"/>
+          <p:cNvSpPr/>
+          <p:nvPr/>
+        </p:nvSpPr>
+        <p:spPr>
+          <a:xfrm>
+            <a:off x="3851910" y="836930"/>
+            <a:ext cx="1296035" cy="575945"/>
+          </a:xfrm>
+          <a:prstGeom prst="ellipse">
+            <a:avLst/>
+          </a:prstGeom>
+        </p:spPr>
+        <p:style>
+          <a:lnRef idx="2">
+            <a:schemeClr val="accent1">
+              <a:shade val="50000"/>
+            </a:schemeClr>
+          </a:lnRef>
+          <a:fillRef idx="1">
+            <a:schemeClr val="accent1"/>
+          </a:fillRef>
+          <a:effectRef idx="0">
+            <a:schemeClr val="accent1"/>
+          </a:effectRef>
+          <a:fontRef idx="minor">
+            <a:schemeClr val="lt1"/>
+          </a:fontRef>
+        </p:style>
+        <p:txBody>
+          <a:bodyPr rtlCol="0" anchor="ctr"/>
+          <a:p>
+            <a:pPr algn="ctr"/>
+            <a:r>
+              <a:rPr lang="en-US"/>
+              <a:t>Master</a:t>
+            </a:r>
+            <a:endParaRPr lang="en-US"/>
+          </a:p>
+        </p:txBody>
+      </p:sp>
+      <p:sp>
+        <p:nvSpPr>
+          <p:cNvPr id="8" name="Oval 7"/>
+          <p:cNvSpPr/>
+          <p:nvPr/>
+        </p:nvSpPr>
+        <p:spPr>
+          <a:xfrm>
+            <a:off x="3851910" y="4437380"/>
+            <a:ext cx="1368425" cy="504190"/>
+          </a:xfrm>
+          <a:prstGeom prst="ellipse">
+            <a:avLst/>
+          </a:prstGeom>
+        </p:spPr>
+        <p:style>
+          <a:lnRef idx="2">
+            <a:schemeClr val="accent1">
+              <a:shade val="50000"/>
+            </a:schemeClr>
+          </a:lnRef>
+          <a:fillRef idx="1">
+            <a:schemeClr val="accent1"/>
+          </a:fillRef>
+          <a:effectRef idx="0">
+            <a:schemeClr val="accent1"/>
+          </a:effectRef>
+          <a:fontRef idx="minor">
+            <a:schemeClr val="lt1"/>
+          </a:fontRef>
+        </p:style>
+        <p:txBody>
+          <a:bodyPr rtlCol="0" anchor="ctr"/>
+          <a:p>
+            <a:pPr algn="ctr"/>
+            <a:r>
+              <a:rPr lang="en-US"/>
+              <a:t>Master</a:t>
+            </a:r>
+            <a:endParaRPr lang="en-US"/>
+          </a:p>
+        </p:txBody>
+      </p:sp>
+      <p:cxnSp>
+        <p:nvCxnSpPr>
+          <p:cNvPr id="9" name="Straight Arrow Connector 8"/>
+          <p:cNvCxnSpPr/>
+          <p:nvPr/>
+        </p:nvCxnSpPr>
+        <p:spPr>
+          <a:xfrm flipH="1">
+            <a:off x="2195830" y="4725670"/>
+            <a:ext cx="1584325" cy="143510"/>
+          </a:xfrm>
+          <a:prstGeom prst="straightConnector1">
+            <a:avLst/>
+          </a:prstGeom>
+          <a:ln>
+            <a:tailEnd type="arrow"/>
+          </a:ln>
+        </p:spPr>
+        <p:style>
+          <a:lnRef idx="1">
+            <a:schemeClr val="accent1"/>
+          </a:lnRef>
+          <a:fillRef idx="0">
+            <a:schemeClr val="accent1"/>
+          </a:fillRef>
+          <a:effectRef idx="0">
+            <a:schemeClr val="accent1"/>
+          </a:effectRef>
+          <a:fontRef idx="minor">
+            <a:schemeClr val="tx1"/>
+          </a:fontRef>
+        </p:style>
+      </p:cxnSp>
+      <p:cxnSp>
+        <p:nvCxnSpPr>
+          <p:cNvPr id="10" name="Straight Arrow Connector 9"/>
+          <p:cNvCxnSpPr/>
+          <p:nvPr/>
+        </p:nvCxnSpPr>
+        <p:spPr>
+          <a:xfrm>
+            <a:off x="4499610" y="1454785"/>
+            <a:ext cx="0" cy="2952750"/>
+          </a:xfrm>
+          <a:prstGeom prst="straightConnector1">
+            <a:avLst/>
+          </a:prstGeom>
+          <a:ln>
+            <a:tailEnd type="arrow"/>
+          </a:ln>
+        </p:spPr>
+        <p:style>
+          <a:lnRef idx="1">
+            <a:schemeClr val="accent1"/>
+          </a:lnRef>
+          <a:fillRef idx="0">
+            <a:schemeClr val="accent1"/>
+          </a:fillRef>
+          <a:effectRef idx="0">
+            <a:schemeClr val="accent1"/>
+          </a:effectRef>
+          <a:fontRef idx="minor">
+            <a:schemeClr val="tx1"/>
+          </a:fontRef>
+        </p:style>
+      </p:cxnSp>
+      <p:sp>
+        <p:nvSpPr>
+          <p:cNvPr id="11" name="Text Box 10"/>
+          <p:cNvSpPr txBox="1"/>
+          <p:nvPr/>
+        </p:nvSpPr>
+        <p:spPr>
+          <a:xfrm>
+            <a:off x="4945380" y="2710815"/>
+            <a:ext cx="1479550" cy="306705"/>
+          </a:xfrm>
+          <a:prstGeom prst="rect">
+            <a:avLst/>
+          </a:prstGeom>
+          <a:noFill/>
+        </p:spPr>
+        <p:txBody>
+          <a:bodyPr wrap="none" rtlCol="0">
+            <a:spAutoFit/>
+          </a:bodyPr>
+          <a:p>
+            <a:r>
+              <a:rPr lang="en-US" sz="1400"/>
+              <a:t>pull the changes</a:t>
+            </a:r>
+            <a:endParaRPr lang="en-US" sz="1400"/>
+          </a:p>
+        </p:txBody>
+      </p:sp>
+      <p:sp>
+        <p:nvSpPr>
+          <p:cNvPr id="12" name="Oval 11"/>
+          <p:cNvSpPr/>
+          <p:nvPr/>
+        </p:nvSpPr>
+        <p:spPr>
+          <a:xfrm>
+            <a:off x="755650" y="4437380"/>
+            <a:ext cx="1368425" cy="935990"/>
+          </a:xfrm>
+          <a:prstGeom prst="ellipse">
+            <a:avLst/>
+          </a:prstGeom>
+        </p:spPr>
+        <p:style>
+          <a:lnRef idx="2">
+            <a:schemeClr val="accent1">
+              <a:shade val="50000"/>
+            </a:schemeClr>
+          </a:lnRef>
+          <a:fillRef idx="1">
+            <a:schemeClr val="accent1"/>
+          </a:fillRef>
+          <a:effectRef idx="0">
+            <a:schemeClr val="accent1"/>
+          </a:effectRef>
+          <a:fontRef idx="minor">
+            <a:schemeClr val="lt1"/>
+          </a:fontRef>
+        </p:style>
+        <p:txBody>
+          <a:bodyPr rtlCol="0" anchor="ctr"/>
+          <a:p>
+            <a:pPr algn="ctr"/>
+            <a:r>
+              <a:rPr lang="en-US"/>
+              <a:t>Hotfix</a:t>
+            </a:r>
+            <a:endParaRPr lang="en-US"/>
+          </a:p>
+        </p:txBody>
+      </p:sp>
+      <p:cxnSp>
+        <p:nvCxnSpPr>
+          <p:cNvPr id="13" name="Straight Arrow Connector 12"/>
+          <p:cNvCxnSpPr/>
+          <p:nvPr/>
+        </p:nvCxnSpPr>
+        <p:spPr>
+          <a:xfrm flipH="1" flipV="1">
+            <a:off x="1403985" y="1988820"/>
+            <a:ext cx="22225" cy="2346325"/>
+          </a:xfrm>
+          <a:prstGeom prst="straightConnector1">
+            <a:avLst/>
+          </a:prstGeom>
+          <a:ln>
+            <a:tailEnd type="arrow"/>
+          </a:ln>
+        </p:spPr>
+        <p:style>
+          <a:lnRef idx="1">
+            <a:schemeClr val="accent1"/>
+          </a:lnRef>
+          <a:fillRef idx="0">
+            <a:schemeClr val="accent1"/>
+          </a:fillRef>
+          <a:effectRef idx="0">
+            <a:schemeClr val="accent1"/>
+          </a:effectRef>
+          <a:fontRef idx="minor">
+            <a:schemeClr val="tx1"/>
+          </a:fontRef>
+        </p:style>
+      </p:cxnSp>
+      <p:sp>
+        <p:nvSpPr>
+          <p:cNvPr id="14" name="Oval 13"/>
+          <p:cNvSpPr/>
+          <p:nvPr/>
+        </p:nvSpPr>
+        <p:spPr>
+          <a:xfrm>
+            <a:off x="755650" y="1042670"/>
+            <a:ext cx="1224280" cy="864235"/>
+          </a:xfrm>
+          <a:prstGeom prst="ellipse">
+            <a:avLst/>
+          </a:prstGeom>
+        </p:spPr>
+        <p:style>
+          <a:lnRef idx="2">
+            <a:schemeClr val="accent1">
+              <a:shade val="50000"/>
+            </a:schemeClr>
+          </a:lnRef>
+          <a:fillRef idx="1">
+            <a:schemeClr val="accent1"/>
+          </a:fillRef>
+          <a:effectRef idx="0">
+            <a:schemeClr val="accent1"/>
+          </a:effectRef>
+          <a:fontRef idx="minor">
+            <a:schemeClr val="lt1"/>
+          </a:fontRef>
+        </p:style>
+        <p:txBody>
+          <a:bodyPr rtlCol="0" anchor="ctr"/>
+          <a:p>
+            <a:pPr algn="ctr"/>
+            <a:r>
+              <a:rPr lang="en-US">
                 <a:sym typeface="+mn-ea"/>
               </a:rPr>
-              <a:t>2(c). R1 pushed to origin</a:t>
+              <a:t>Hotfix</a:t>
             </a:r>
             <a:endParaRPr lang="en-US"/>
           </a:p>
-          <a:p>
-            <a:endParaRPr lang="en-US"/>
-          </a:p>
-        </p:txBody>
-      </p:sp>
-      <p:sp>
-        <p:nvSpPr>
-          <p:cNvPr id="69" name="Text Box 68"/>
+        </p:txBody>
+      </p:sp>
+      <p:sp>
+        <p:nvSpPr>
+          <p:cNvPr id="15" name="Text Box 14"/>
           <p:cNvSpPr txBox="1"/>
           <p:nvPr/>
         </p:nvSpPr>
         <p:spPr>
           <a:xfrm>
-            <a:off x="186690" y="542290"/>
-            <a:ext cx="1135380" cy="645160"/>
+            <a:off x="2439670" y="4335145"/>
+            <a:ext cx="1097280" cy="368300"/>
           </a:xfrm>
           <a:prstGeom prst="rect">
             <a:avLst/>
@@ -4595,80 +5312,547 @@
         <p:txBody>
           <a:bodyPr wrap="none" rtlCol="0">
             <a:spAutoFit/>
-            <a:scene3d>
-              <a:camera prst="orthographicFront"/>
-              <a:lightRig rig="threePt" dir="t"/>
-            </a:scene3d>
           </a:bodyPr>
           <a:p>
             <a:r>
-              <a:rPr lang="en-US">
-                <a:ln w="22225">
-                  <a:solidFill>
-                    <a:schemeClr val="accent2"/>
-                  </a:solidFill>
-                  <a:prstDash val="solid"/>
-                </a:ln>
-                <a:solidFill>
-                  <a:schemeClr val="accent2">
-                    <a:lumMod val="40000"/>
-                    <a:lumOff val="60000"/>
-                  </a:schemeClr>
-                </a:solidFill>
-                <a:effectLst/>
-              </a:rPr>
-              <a:t>Non - </a:t>
-            </a:r>
-            <a:endParaRPr lang="en-US">
-              <a:ln w="22225">
-                <a:solidFill>
-                  <a:schemeClr val="accent2"/>
-                </a:solidFill>
-                <a:prstDash val="solid"/>
-              </a:ln>
-              <a:solidFill>
-                <a:schemeClr val="accent2">
-                  <a:lumMod val="40000"/>
-                  <a:lumOff val="60000"/>
-                </a:schemeClr>
-              </a:solidFill>
-              <a:effectLst/>
-            </a:endParaRPr>
-          </a:p>
-          <a:p>
-            <a:r>
-              <a:rPr lang="en-US">
-                <a:ln w="22225">
-                  <a:solidFill>
-                    <a:schemeClr val="accent2"/>
-                  </a:solidFill>
-                  <a:prstDash val="solid"/>
-                </a:ln>
-                <a:solidFill>
-                  <a:schemeClr val="accent2">
-                    <a:lumMod val="40000"/>
-                    <a:lumOff val="60000"/>
-                  </a:schemeClr>
-                </a:solidFill>
-                <a:effectLst/>
-              </a:rPr>
-              <a:t>protected</a:t>
-            </a:r>
-            <a:endParaRPr lang="en-US">
-              <a:ln w="22225">
-                <a:solidFill>
-                  <a:schemeClr val="accent2"/>
-                </a:solidFill>
-                <a:prstDash val="solid"/>
-              </a:ln>
-              <a:solidFill>
-                <a:schemeClr val="accent2">
-                  <a:lumMod val="40000"/>
-                  <a:lumOff val="60000"/>
-                </a:schemeClr>
-              </a:solidFill>
-              <a:effectLst/>
-            </a:endParaRPr>
+              <a:rPr lang="en-US"/>
+              <a:t>checkout</a:t>
+            </a:r>
+            <a:endParaRPr lang="en-US"/>
+          </a:p>
+        </p:txBody>
+      </p:sp>
+      <p:sp>
+        <p:nvSpPr>
+          <p:cNvPr id="16" name="Text Box 15"/>
+          <p:cNvSpPr txBox="1"/>
+          <p:nvPr/>
+        </p:nvSpPr>
+        <p:spPr>
+          <a:xfrm>
+            <a:off x="1535430" y="2489835"/>
+            <a:ext cx="1555115" cy="798830"/>
+          </a:xfrm>
+          <a:prstGeom prst="rect">
+            <a:avLst/>
+          </a:prstGeom>
+          <a:noFill/>
+        </p:spPr>
+        <p:txBody>
+          <a:bodyPr wrap="square" rtlCol="0">
+            <a:spAutoFit/>
+          </a:bodyPr>
+          <a:p>
+            <a:r>
+              <a:rPr lang="en-US" sz="1400"/>
+              <a:t>push the changes back to origin</a:t>
+            </a:r>
+            <a:r>
+              <a:rPr lang="en-US"/>
+              <a:t> </a:t>
+            </a:r>
+            <a:endParaRPr lang="en-US"/>
+          </a:p>
+        </p:txBody>
+      </p:sp>
+      <p:cxnSp>
+        <p:nvCxnSpPr>
+          <p:cNvPr id="17" name="Straight Arrow Connector 16"/>
+          <p:cNvCxnSpPr/>
+          <p:nvPr/>
+        </p:nvCxnSpPr>
+        <p:spPr>
+          <a:xfrm flipV="1">
+            <a:off x="2084070" y="1196975"/>
+            <a:ext cx="1624330" cy="257810"/>
+          </a:xfrm>
+          <a:prstGeom prst="straightConnector1">
+            <a:avLst/>
+          </a:prstGeom>
+          <a:ln>
+            <a:tailEnd type="arrow"/>
+          </a:ln>
+        </p:spPr>
+        <p:style>
+          <a:lnRef idx="1">
+            <a:schemeClr val="accent1"/>
+          </a:lnRef>
+          <a:fillRef idx="0">
+            <a:schemeClr val="accent1"/>
+          </a:fillRef>
+          <a:effectRef idx="0">
+            <a:schemeClr val="accent1"/>
+          </a:effectRef>
+          <a:fontRef idx="minor">
+            <a:schemeClr val="tx1"/>
+          </a:fontRef>
+        </p:style>
+      </p:cxnSp>
+      <p:sp>
+        <p:nvSpPr>
+          <p:cNvPr id="18" name="Text Box 17"/>
+          <p:cNvSpPr txBox="1"/>
+          <p:nvPr/>
+        </p:nvSpPr>
+        <p:spPr>
+          <a:xfrm>
+            <a:off x="1764030" y="674370"/>
+            <a:ext cx="1666240" cy="306705"/>
+          </a:xfrm>
+          <a:prstGeom prst="rect">
+            <a:avLst/>
+          </a:prstGeom>
+          <a:noFill/>
+        </p:spPr>
+        <p:txBody>
+          <a:bodyPr wrap="none" rtlCol="0">
+            <a:spAutoFit/>
+          </a:bodyPr>
+          <a:p>
+            <a:r>
+              <a:rPr lang="en-US" sz="1400"/>
+              <a:t>fast forward merge</a:t>
+            </a:r>
+            <a:endParaRPr lang="en-US" sz="1400"/>
+          </a:p>
+        </p:txBody>
+      </p:sp>
+    </p:spTree>
+  </p:cSld>
+  <p:clrMapOvr>
+    <a:masterClrMapping/>
+  </p:clrMapOvr>
+</p:sld>
+</file>
+
+<file path=ppt/slides/slide4.xml><?xml version="1.0" encoding="utf-8"?>
+<p:sld xmlns:a="http://schemas.openxmlformats.org/drawingml/2006/main" xmlns:r="http://schemas.openxmlformats.org/officeDocument/2006/relationships" xmlns:p="http://schemas.openxmlformats.org/presentationml/2006/main">
+  <p:cSld>
+    <p:spTree>
+      <p:nvGrpSpPr>
+        <p:cNvPr id="1" name=""/>
+        <p:cNvGrpSpPr/>
+        <p:nvPr/>
+      </p:nvGrpSpPr>
+      <p:grpSpPr/>
+      <p:cxnSp>
+        <p:nvCxnSpPr>
+          <p:cNvPr id="4" name="Straight Connector 3"/>
+          <p:cNvCxnSpPr/>
+          <p:nvPr/>
+        </p:nvCxnSpPr>
+        <p:spPr>
+          <a:xfrm flipV="1">
+            <a:off x="-3810" y="3285490"/>
+            <a:ext cx="9184640" cy="22860"/>
+          </a:xfrm>
+          <a:prstGeom prst="line">
+            <a:avLst/>
+          </a:prstGeom>
+        </p:spPr>
+        <p:style>
+          <a:lnRef idx="1">
+            <a:schemeClr val="accent1"/>
+          </a:lnRef>
+          <a:fillRef idx="0">
+            <a:schemeClr val="accent1"/>
+          </a:fillRef>
+          <a:effectRef idx="0">
+            <a:schemeClr val="accent1"/>
+          </a:effectRef>
+          <a:fontRef idx="minor">
+            <a:schemeClr val="tx1"/>
+          </a:fontRef>
+        </p:style>
+      </p:cxnSp>
+      <p:sp>
+        <p:nvSpPr>
+          <p:cNvPr id="5" name="Oval 4"/>
+          <p:cNvSpPr/>
+          <p:nvPr/>
+        </p:nvSpPr>
+        <p:spPr>
+          <a:xfrm>
+            <a:off x="3851910" y="394970"/>
+            <a:ext cx="1296035" cy="575945"/>
+          </a:xfrm>
+          <a:prstGeom prst="ellipse">
+            <a:avLst/>
+          </a:prstGeom>
+        </p:spPr>
+        <p:style>
+          <a:lnRef idx="2">
+            <a:schemeClr val="accent1">
+              <a:shade val="50000"/>
+            </a:schemeClr>
+          </a:lnRef>
+          <a:fillRef idx="1">
+            <a:schemeClr val="accent1"/>
+          </a:fillRef>
+          <a:effectRef idx="0">
+            <a:schemeClr val="accent1"/>
+          </a:effectRef>
+          <a:fontRef idx="minor">
+            <a:schemeClr val="lt1"/>
+          </a:fontRef>
+        </p:style>
+        <p:txBody>
+          <a:bodyPr rtlCol="0" anchor="ctr"/>
+          <a:p>
+            <a:pPr algn="ctr"/>
+            <a:r>
+              <a:rPr lang="en-US"/>
+              <a:t>Master</a:t>
+            </a:r>
+            <a:endParaRPr lang="en-US"/>
+          </a:p>
+        </p:txBody>
+      </p:sp>
+      <p:sp>
+        <p:nvSpPr>
+          <p:cNvPr id="6" name="Oval 5"/>
+          <p:cNvSpPr/>
+          <p:nvPr/>
+        </p:nvSpPr>
+        <p:spPr>
+          <a:xfrm>
+            <a:off x="3923665" y="4057015"/>
+            <a:ext cx="1224280" cy="720090"/>
+          </a:xfrm>
+          <a:prstGeom prst="ellipse">
+            <a:avLst/>
+          </a:prstGeom>
+        </p:spPr>
+        <p:style>
+          <a:lnRef idx="2">
+            <a:schemeClr val="accent1">
+              <a:shade val="50000"/>
+            </a:schemeClr>
+          </a:lnRef>
+          <a:fillRef idx="1">
+            <a:schemeClr val="accent1"/>
+          </a:fillRef>
+          <a:effectRef idx="0">
+            <a:schemeClr val="accent1"/>
+          </a:effectRef>
+          <a:fontRef idx="minor">
+            <a:schemeClr val="lt1"/>
+          </a:fontRef>
+        </p:style>
+        <p:txBody>
+          <a:bodyPr rtlCol="0" anchor="ctr"/>
+          <a:p>
+            <a:pPr algn="ctr"/>
+            <a:r>
+              <a:rPr lang="en-US"/>
+              <a:t>Master</a:t>
+            </a:r>
+            <a:endParaRPr lang="en-US"/>
+          </a:p>
+        </p:txBody>
+      </p:sp>
+      <p:sp>
+        <p:nvSpPr>
+          <p:cNvPr id="7" name="Oval 6"/>
+          <p:cNvSpPr/>
+          <p:nvPr/>
+        </p:nvSpPr>
+        <p:spPr>
+          <a:xfrm>
+            <a:off x="5652135" y="5877560"/>
+            <a:ext cx="648335" cy="575945"/>
+          </a:xfrm>
+          <a:prstGeom prst="ellipse">
+            <a:avLst/>
+          </a:prstGeom>
+        </p:spPr>
+        <p:style>
+          <a:lnRef idx="2">
+            <a:schemeClr val="accent1">
+              <a:shade val="50000"/>
+            </a:schemeClr>
+          </a:lnRef>
+          <a:fillRef idx="1">
+            <a:schemeClr val="accent1"/>
+          </a:fillRef>
+          <a:effectRef idx="0">
+            <a:schemeClr val="accent1"/>
+          </a:effectRef>
+          <a:fontRef idx="minor">
+            <a:schemeClr val="lt1"/>
+          </a:fontRef>
+        </p:style>
+        <p:txBody>
+          <a:bodyPr rtlCol="0" anchor="ctr"/>
+          <a:p>
+            <a:pPr algn="ctr"/>
+            <a:r>
+              <a:rPr lang="en-US"/>
+              <a:t>R3</a:t>
+            </a:r>
+            <a:endParaRPr lang="en-US"/>
+          </a:p>
+        </p:txBody>
+      </p:sp>
+      <p:cxnSp>
+        <p:nvCxnSpPr>
+          <p:cNvPr id="9" name="Straight Arrow Connector 8"/>
+          <p:cNvCxnSpPr/>
+          <p:nvPr/>
+        </p:nvCxnSpPr>
+        <p:spPr>
+          <a:xfrm>
+            <a:off x="4418330" y="1056005"/>
+            <a:ext cx="9525" cy="2805430"/>
+          </a:xfrm>
+          <a:prstGeom prst="straightConnector1">
+            <a:avLst/>
+          </a:prstGeom>
+          <a:ln>
+            <a:tailEnd type="arrow"/>
+          </a:ln>
+        </p:spPr>
+        <p:style>
+          <a:lnRef idx="1">
+            <a:schemeClr val="accent1"/>
+          </a:lnRef>
+          <a:fillRef idx="0">
+            <a:schemeClr val="accent1"/>
+          </a:fillRef>
+          <a:effectRef idx="0">
+            <a:schemeClr val="accent1"/>
+          </a:effectRef>
+          <a:fontRef idx="minor">
+            <a:schemeClr val="tx1"/>
+          </a:fontRef>
+        </p:style>
+      </p:cxnSp>
+      <p:sp>
+        <p:nvSpPr>
+          <p:cNvPr id="10" name="Text Box 9"/>
+          <p:cNvSpPr txBox="1"/>
+          <p:nvPr/>
+        </p:nvSpPr>
+        <p:spPr>
+          <a:xfrm>
+            <a:off x="4771390" y="2291715"/>
+            <a:ext cx="1405255" cy="521970"/>
+          </a:xfrm>
+          <a:prstGeom prst="rect">
+            <a:avLst/>
+          </a:prstGeom>
+          <a:noFill/>
+        </p:spPr>
+        <p:txBody>
+          <a:bodyPr wrap="square" rtlCol="0">
+            <a:spAutoFit/>
+          </a:bodyPr>
+          <a:p>
+            <a:r>
+              <a:rPr lang="en-US" sz="1400"/>
+              <a:t>pull changes to local</a:t>
+            </a:r>
+            <a:endParaRPr lang="en-US" sz="1400"/>
+          </a:p>
+        </p:txBody>
+      </p:sp>
+      <p:cxnSp>
+        <p:nvCxnSpPr>
+          <p:cNvPr id="11" name="Straight Arrow Connector 10"/>
+          <p:cNvCxnSpPr/>
+          <p:nvPr/>
+        </p:nvCxnSpPr>
+        <p:spPr>
+          <a:xfrm>
+            <a:off x="4747260" y="4833620"/>
+            <a:ext cx="904875" cy="971550"/>
+          </a:xfrm>
+          <a:prstGeom prst="straightConnector1">
+            <a:avLst/>
+          </a:prstGeom>
+          <a:ln>
+            <a:tailEnd type="arrow"/>
+          </a:ln>
+        </p:spPr>
+        <p:style>
+          <a:lnRef idx="1">
+            <a:schemeClr val="accent1"/>
+          </a:lnRef>
+          <a:fillRef idx="0">
+            <a:schemeClr val="accent1"/>
+          </a:fillRef>
+          <a:effectRef idx="0">
+            <a:schemeClr val="accent1"/>
+          </a:effectRef>
+          <a:fontRef idx="minor">
+            <a:schemeClr val="tx1"/>
+          </a:fontRef>
+        </p:style>
+      </p:cxnSp>
+      <p:sp>
+        <p:nvSpPr>
+          <p:cNvPr id="12" name="Text Box 11"/>
+          <p:cNvSpPr txBox="1"/>
+          <p:nvPr/>
+        </p:nvSpPr>
+        <p:spPr>
+          <a:xfrm>
+            <a:off x="5584190" y="4777105"/>
+            <a:ext cx="2540000" cy="337185"/>
+          </a:xfrm>
+          <a:prstGeom prst="rect">
+            <a:avLst/>
+          </a:prstGeom>
+          <a:noFill/>
+        </p:spPr>
+        <p:txBody>
+          <a:bodyPr wrap="square" rtlCol="0" anchor="t">
+            <a:spAutoFit/>
+          </a:bodyPr>
+          <a:p>
+            <a:r>
+              <a:rPr lang="en-US" sz="1600"/>
+              <a:t>Rebase R3 with master</a:t>
+            </a:r>
+            <a:endParaRPr lang="en-US" sz="1600"/>
+          </a:p>
+        </p:txBody>
+      </p:sp>
+      <p:cxnSp>
+        <p:nvCxnSpPr>
+          <p:cNvPr id="13" name="Straight Arrow Connector 12"/>
+          <p:cNvCxnSpPr/>
+          <p:nvPr/>
+        </p:nvCxnSpPr>
+        <p:spPr>
+          <a:xfrm flipH="1" flipV="1">
+            <a:off x="6012180" y="1988820"/>
+            <a:ext cx="635" cy="3811905"/>
+          </a:xfrm>
+          <a:prstGeom prst="straightConnector1">
+            <a:avLst/>
+          </a:prstGeom>
+          <a:ln>
+            <a:tailEnd type="arrow"/>
+          </a:ln>
+        </p:spPr>
+        <p:style>
+          <a:lnRef idx="1">
+            <a:schemeClr val="accent1"/>
+          </a:lnRef>
+          <a:fillRef idx="0">
+            <a:schemeClr val="accent1"/>
+          </a:fillRef>
+          <a:effectRef idx="0">
+            <a:schemeClr val="accent1"/>
+          </a:effectRef>
+          <a:fontRef idx="minor">
+            <a:schemeClr val="tx1"/>
+          </a:fontRef>
+        </p:style>
+      </p:cxnSp>
+      <p:sp>
+        <p:nvSpPr>
+          <p:cNvPr id="14" name="Oval 13"/>
+          <p:cNvSpPr/>
+          <p:nvPr/>
+        </p:nvSpPr>
+        <p:spPr>
+          <a:xfrm>
+            <a:off x="5652135" y="1196975"/>
+            <a:ext cx="720090" cy="720090"/>
+          </a:xfrm>
+          <a:prstGeom prst="ellipse">
+            <a:avLst/>
+          </a:prstGeom>
+        </p:spPr>
+        <p:style>
+          <a:lnRef idx="2">
+            <a:schemeClr val="accent1">
+              <a:shade val="50000"/>
+            </a:schemeClr>
+          </a:lnRef>
+          <a:fillRef idx="1">
+            <a:schemeClr val="accent1"/>
+          </a:fillRef>
+          <a:effectRef idx="0">
+            <a:schemeClr val="accent1"/>
+          </a:effectRef>
+          <a:fontRef idx="minor">
+            <a:schemeClr val="lt1"/>
+          </a:fontRef>
+        </p:style>
+        <p:txBody>
+          <a:bodyPr rtlCol="0" anchor="ctr"/>
+          <a:p>
+            <a:pPr algn="ctr"/>
+            <a:r>
+              <a:rPr lang="en-US"/>
+              <a:t>R3</a:t>
+            </a:r>
+            <a:endParaRPr lang="en-US"/>
+          </a:p>
+        </p:txBody>
+      </p:sp>
+      <p:cxnSp>
+        <p:nvCxnSpPr>
+          <p:cNvPr id="15" name="Straight Arrow Connector 14"/>
+          <p:cNvCxnSpPr/>
+          <p:nvPr/>
+        </p:nvCxnSpPr>
+        <p:spPr>
+          <a:xfrm flipH="1" flipV="1">
+            <a:off x="5147945" y="836930"/>
+            <a:ext cx="516255" cy="348615"/>
+          </a:xfrm>
+          <a:prstGeom prst="straightConnector1">
+            <a:avLst/>
+          </a:prstGeom>
+          <a:ln>
+            <a:tailEnd type="arrow"/>
+          </a:ln>
+        </p:spPr>
+        <p:style>
+          <a:lnRef idx="1">
+            <a:schemeClr val="accent1"/>
+          </a:lnRef>
+          <a:fillRef idx="0">
+            <a:schemeClr val="accent1"/>
+          </a:fillRef>
+          <a:effectRef idx="0">
+            <a:schemeClr val="accent1"/>
+          </a:effectRef>
+          <a:fontRef idx="minor">
+            <a:schemeClr val="tx1"/>
+          </a:fontRef>
+        </p:style>
+      </p:cxnSp>
+      <p:sp>
+        <p:nvSpPr>
+          <p:cNvPr id="16" name="Text Box 15"/>
+          <p:cNvSpPr txBox="1"/>
+          <p:nvPr/>
+        </p:nvSpPr>
+        <p:spPr>
+          <a:xfrm>
+            <a:off x="5767705" y="687705"/>
+            <a:ext cx="1666240" cy="306705"/>
+          </a:xfrm>
+          <a:prstGeom prst="rect">
+            <a:avLst/>
+          </a:prstGeom>
+          <a:noFill/>
+        </p:spPr>
+        <p:txBody>
+          <a:bodyPr wrap="none" rtlCol="0">
+            <a:spAutoFit/>
+          </a:bodyPr>
+          <a:p>
+            <a:r>
+              <a:rPr lang="en-US" sz="1400"/>
+              <a:t>fast forward merge</a:t>
+            </a:r>
+            <a:endParaRPr lang="en-US" sz="1400"/>
           </a:p>
         </p:txBody>
       </p:sp>
